--- a/ppt/R-12-MachineLearning.pptx
+++ b/ppt/R-12-MachineLearning.pptx
@@ -5,10 +5,10 @@
     <p:sldMasterId id="2147483653" r:id="rId1"/>
   </p:sldMasterIdLst>
   <p:notesMasterIdLst>
-    <p:notesMasterId r:id="rId40"/>
+    <p:notesMasterId r:id="rId39"/>
   </p:notesMasterIdLst>
   <p:handoutMasterIdLst>
-    <p:handoutMasterId r:id="rId41"/>
+    <p:handoutMasterId r:id="rId40"/>
   </p:handoutMasterIdLst>
   <p:sldIdLst>
     <p:sldId id="264" r:id="rId2"/>
@@ -17,38 +17,37 @@
     <p:sldId id="313" r:id="rId5"/>
     <p:sldId id="321" r:id="rId6"/>
     <p:sldId id="314" r:id="rId7"/>
-    <p:sldId id="315" r:id="rId8"/>
-    <p:sldId id="316" r:id="rId9"/>
-    <p:sldId id="317" r:id="rId10"/>
-    <p:sldId id="267" r:id="rId11"/>
-    <p:sldId id="268" r:id="rId12"/>
-    <p:sldId id="269" r:id="rId13"/>
-    <p:sldId id="270" r:id="rId14"/>
-    <p:sldId id="272" r:id="rId15"/>
-    <p:sldId id="274" r:id="rId16"/>
-    <p:sldId id="275" r:id="rId17"/>
-    <p:sldId id="288" r:id="rId18"/>
-    <p:sldId id="289" r:id="rId19"/>
-    <p:sldId id="290" r:id="rId20"/>
-    <p:sldId id="291" r:id="rId21"/>
-    <p:sldId id="292" r:id="rId22"/>
-    <p:sldId id="293" r:id="rId23"/>
-    <p:sldId id="294" r:id="rId24"/>
-    <p:sldId id="295" r:id="rId25"/>
-    <p:sldId id="296" r:id="rId26"/>
-    <p:sldId id="297" r:id="rId27"/>
-    <p:sldId id="298" r:id="rId28"/>
-    <p:sldId id="299" r:id="rId29"/>
-    <p:sldId id="300" r:id="rId30"/>
-    <p:sldId id="301" r:id="rId31"/>
-    <p:sldId id="302" r:id="rId32"/>
-    <p:sldId id="303" r:id="rId33"/>
-    <p:sldId id="304" r:id="rId34"/>
-    <p:sldId id="305" r:id="rId35"/>
-    <p:sldId id="311" r:id="rId36"/>
-    <p:sldId id="318" r:id="rId37"/>
-    <p:sldId id="319" r:id="rId38"/>
-    <p:sldId id="320" r:id="rId39"/>
+    <p:sldId id="316" r:id="rId8"/>
+    <p:sldId id="317" r:id="rId9"/>
+    <p:sldId id="267" r:id="rId10"/>
+    <p:sldId id="268" r:id="rId11"/>
+    <p:sldId id="269" r:id="rId12"/>
+    <p:sldId id="270" r:id="rId13"/>
+    <p:sldId id="272" r:id="rId14"/>
+    <p:sldId id="274" r:id="rId15"/>
+    <p:sldId id="275" r:id="rId16"/>
+    <p:sldId id="288" r:id="rId17"/>
+    <p:sldId id="289" r:id="rId18"/>
+    <p:sldId id="290" r:id="rId19"/>
+    <p:sldId id="291" r:id="rId20"/>
+    <p:sldId id="292" r:id="rId21"/>
+    <p:sldId id="293" r:id="rId22"/>
+    <p:sldId id="294" r:id="rId23"/>
+    <p:sldId id="295" r:id="rId24"/>
+    <p:sldId id="296" r:id="rId25"/>
+    <p:sldId id="297" r:id="rId26"/>
+    <p:sldId id="298" r:id="rId27"/>
+    <p:sldId id="299" r:id="rId28"/>
+    <p:sldId id="300" r:id="rId29"/>
+    <p:sldId id="301" r:id="rId30"/>
+    <p:sldId id="302" r:id="rId31"/>
+    <p:sldId id="303" r:id="rId32"/>
+    <p:sldId id="304" r:id="rId33"/>
+    <p:sldId id="305" r:id="rId34"/>
+    <p:sldId id="311" r:id="rId35"/>
+    <p:sldId id="318" r:id="rId36"/>
+    <p:sldId id="319" r:id="rId37"/>
+    <p:sldId id="320" r:id="rId38"/>
   </p:sldIdLst>
   <p:sldSz cx="9144000" cy="6858000" type="screen4x3"/>
   <p:notesSz cx="6648450" cy="9782175"/>
@@ -3835,128 +3834,6 @@
           <a:p>
             <a:r>
               <a:rPr lang="fr-FR" dirty="0" smtClean="0"/>
-              <a:t>1</a:t>
-            </a:r>
-            <a:r>
-              <a:rPr lang="fr-FR" baseline="30000" dirty="0" smtClean="0"/>
-              <a:t>ère</a:t>
-            </a:r>
-            <a:r>
-              <a:rPr lang="fr-FR" dirty="0" smtClean="0"/>
-              <a:t> étape</a:t>
-            </a:r>
-            <a:endParaRPr lang="fr-FR" dirty="0"/>
-          </a:p>
-        </p:txBody>
-      </p:sp>
-      <p:sp>
-        <p:nvSpPr>
-          <p:cNvPr id="3" name="Espace réservé du contenu 2"/>
-          <p:cNvSpPr>
-            <a:spLocks noGrp="1"/>
-          </p:cNvSpPr>
-          <p:nvPr>
-            <p:ph idx="1"/>
-          </p:nvPr>
-        </p:nvSpPr>
-        <p:spPr/>
-        <p:txBody>
-          <a:bodyPr/>
-          <a:lstStyle/>
-          <a:p>
-            <a:r>
-              <a:rPr lang="fr-FR" dirty="0" smtClean="0"/>
-              <a:t>Trouver les données</a:t>
-            </a:r>
-          </a:p>
-          <a:p>
-            <a:pPr lvl="1"/>
-            <a:r>
-              <a:rPr lang="fr-FR" dirty="0" smtClean="0"/>
-              <a:t>Mise à disposition d’un data </a:t>
-            </a:r>
-            <a:r>
-              <a:rPr lang="fr-FR" dirty="0" err="1" smtClean="0"/>
-              <a:t>lake</a:t>
-            </a:r>
-            <a:r>
-              <a:rPr lang="fr-FR" dirty="0" smtClean="0"/>
-              <a:t> ou d’un data </a:t>
-            </a:r>
-            <a:r>
-              <a:rPr lang="fr-FR" dirty="0" err="1" smtClean="0"/>
-              <a:t>mart</a:t>
-            </a:r>
-            <a:endParaRPr lang="fr-FR" dirty="0" smtClean="0"/>
-          </a:p>
-          <a:p>
-            <a:r>
-              <a:rPr lang="fr-FR" dirty="0" smtClean="0"/>
-              <a:t>Le jeu de donnée utilisé en machine </a:t>
-            </a:r>
-            <a:r>
-              <a:rPr lang="fr-FR" dirty="0" err="1" smtClean="0"/>
-              <a:t>learning</a:t>
-            </a:r>
-            <a:r>
-              <a:rPr lang="fr-FR" dirty="0" smtClean="0"/>
-              <a:t> s’appel le </a:t>
-            </a:r>
-            <a:r>
-              <a:rPr lang="fr-FR" dirty="0" err="1" smtClean="0"/>
-              <a:t>Dataset</a:t>
-            </a:r>
-            <a:endParaRPr lang="fr-FR" dirty="0" smtClean="0"/>
-          </a:p>
-        </p:txBody>
-      </p:sp>
-    </p:spTree>
-    <p:extLst>
-      <p:ext uri="{BB962C8B-B14F-4D97-AF65-F5344CB8AC3E}">
-        <p14:creationId xmlns:p14="http://schemas.microsoft.com/office/powerpoint/2010/main" val="1845482123"/>
-      </p:ext>
-    </p:extLst>
-  </p:cSld>
-  <p:clrMapOvr>
-    <a:masterClrMapping/>
-  </p:clrMapOvr>
-</p:sld>
-</file>
-
-<file path=ppt/slides/slide11.xml><?xml version="1.0" encoding="utf-8"?>
-<p:sld xmlns:a="http://schemas.openxmlformats.org/drawingml/2006/main" xmlns:r="http://schemas.openxmlformats.org/officeDocument/2006/relationships" xmlns:p="http://schemas.openxmlformats.org/presentationml/2006/main">
-  <p:cSld>
-    <p:spTree>
-      <p:nvGrpSpPr>
-        <p:cNvPr id="1" name=""/>
-        <p:cNvGrpSpPr/>
-        <p:nvPr/>
-      </p:nvGrpSpPr>
-      <p:grpSpPr>
-        <a:xfrm>
-          <a:off x="0" y="0"/>
-          <a:ext cx="0" cy="0"/>
-          <a:chOff x="0" y="0"/>
-          <a:chExt cx="0" cy="0"/>
-        </a:xfrm>
-      </p:grpSpPr>
-      <p:sp>
-        <p:nvSpPr>
-          <p:cNvPr id="2" name="Titre 1"/>
-          <p:cNvSpPr>
-            <a:spLocks noGrp="1"/>
-          </p:cNvSpPr>
-          <p:nvPr>
-            <p:ph type="title"/>
-          </p:nvPr>
-        </p:nvSpPr>
-        <p:spPr/>
-        <p:txBody>
-          <a:bodyPr/>
-          <a:lstStyle/>
-          <a:p>
-            <a:r>
-              <a:rPr lang="fr-FR" dirty="0" smtClean="0"/>
               <a:t>But</a:t>
             </a:r>
             <a:endParaRPr lang="fr-FR" dirty="0"/>
@@ -4040,7 +3917,7 @@
 </p:sld>
 </file>
 
-<file path=ppt/slides/slide12.xml><?xml version="1.0" encoding="utf-8"?>
+<file path=ppt/slides/slide11.xml><?xml version="1.0" encoding="utf-8"?>
 <p:sld xmlns:a="http://schemas.openxmlformats.org/drawingml/2006/main" xmlns:r="http://schemas.openxmlformats.org/officeDocument/2006/relationships" xmlns:p="http://schemas.openxmlformats.org/presentationml/2006/main">
   <p:cSld>
     <p:spTree>
@@ -4157,7 +4034,7 @@
 </p:sld>
 </file>
 
-<file path=ppt/slides/slide13.xml><?xml version="1.0" encoding="utf-8"?>
+<file path=ppt/slides/slide12.xml><?xml version="1.0" encoding="utf-8"?>
 <p:sld xmlns:a="http://schemas.openxmlformats.org/drawingml/2006/main" xmlns:r="http://schemas.openxmlformats.org/officeDocument/2006/relationships" xmlns:p="http://schemas.openxmlformats.org/presentationml/2006/main">
   <p:cSld>
     <p:spTree>
@@ -4274,7 +4151,7 @@
 </p:sld>
 </file>
 
-<file path=ppt/slides/slide14.xml><?xml version="1.0" encoding="utf-8"?>
+<file path=ppt/slides/slide13.xml><?xml version="1.0" encoding="utf-8"?>
 <p:sld xmlns:a="http://schemas.openxmlformats.org/drawingml/2006/main" xmlns:r="http://schemas.openxmlformats.org/officeDocument/2006/relationships" xmlns:p="http://schemas.openxmlformats.org/presentationml/2006/main">
   <p:cSld>
     <p:spTree>
@@ -4393,7 +4270,7 @@
 </p:sld>
 </file>
 
-<file path=ppt/slides/slide15.xml><?xml version="1.0" encoding="utf-8"?>
+<file path=ppt/slides/slide14.xml><?xml version="1.0" encoding="utf-8"?>
 <p:sld xmlns:a="http://schemas.openxmlformats.org/drawingml/2006/main" xmlns:r="http://schemas.openxmlformats.org/officeDocument/2006/relationships" xmlns:p="http://schemas.openxmlformats.org/presentationml/2006/main">
   <p:cSld>
     <p:spTree>
@@ -4561,6 +4438,126 @@
 </p:sld>
 </file>
 
+<file path=ppt/slides/slide15.xml><?xml version="1.0" encoding="utf-8"?>
+<p:sld xmlns:a="http://schemas.openxmlformats.org/drawingml/2006/main" xmlns:r="http://schemas.openxmlformats.org/officeDocument/2006/relationships" xmlns:p="http://schemas.openxmlformats.org/presentationml/2006/main">
+  <p:cSld>
+    <p:spTree>
+      <p:nvGrpSpPr>
+        <p:cNvPr id="1" name=""/>
+        <p:cNvGrpSpPr/>
+        <p:nvPr/>
+      </p:nvGrpSpPr>
+      <p:grpSpPr>
+        <a:xfrm>
+          <a:off x="0" y="0"/>
+          <a:ext cx="0" cy="0"/>
+          <a:chOff x="0" y="0"/>
+          <a:chExt cx="0" cy="0"/>
+        </a:xfrm>
+      </p:grpSpPr>
+      <p:sp>
+        <p:nvSpPr>
+          <p:cNvPr id="2" name="Titre 1"/>
+          <p:cNvSpPr>
+            <a:spLocks noGrp="1"/>
+          </p:cNvSpPr>
+          <p:nvPr>
+            <p:ph type="title"/>
+          </p:nvPr>
+        </p:nvSpPr>
+        <p:spPr/>
+        <p:txBody>
+          <a:bodyPr/>
+          <a:lstStyle/>
+          <a:p>
+            <a:r>
+              <a:rPr lang="fr-FR" dirty="0" smtClean="0"/>
+              <a:t>Trouver le bon modèle</a:t>
+            </a:r>
+            <a:endParaRPr lang="fr-FR" dirty="0"/>
+          </a:p>
+        </p:txBody>
+      </p:sp>
+      <p:sp>
+        <p:nvSpPr>
+          <p:cNvPr id="3" name="Espace réservé du contenu 2"/>
+          <p:cNvSpPr>
+            <a:spLocks noGrp="1"/>
+          </p:cNvSpPr>
+          <p:nvPr>
+            <p:ph idx="1"/>
+          </p:nvPr>
+        </p:nvSpPr>
+        <p:spPr/>
+        <p:txBody>
+          <a:bodyPr/>
+          <a:lstStyle/>
+          <a:p>
+            <a:r>
+              <a:rPr lang="fr-FR" dirty="0"/>
+              <a:t>Pour résumer, le travail de modélisation consiste à trouver le bon modèle statistique </a:t>
+            </a:r>
+            <a:r>
+              <a:rPr lang="fr-FR" dirty="0" smtClean="0"/>
+              <a:t>qui </a:t>
+            </a:r>
+            <a:r>
+              <a:rPr lang="fr-FR" dirty="0"/>
+              <a:t>colle le mieux aux données </a:t>
+            </a:r>
+            <a:r>
+              <a:rPr lang="fr-FR" dirty="0" smtClean="0"/>
+              <a:t>d'exemple</a:t>
+            </a:r>
+          </a:p>
+          <a:p>
+            <a:r>
+              <a:rPr lang="fr-FR" dirty="0" smtClean="0"/>
+              <a:t>Le </a:t>
+            </a:r>
+            <a:r>
+              <a:rPr lang="fr-FR" dirty="0"/>
+              <a:t>machine </a:t>
+            </a:r>
+            <a:r>
+              <a:rPr lang="fr-FR" dirty="0" err="1"/>
+              <a:t>learning</a:t>
+            </a:r>
+            <a:r>
+              <a:rPr lang="fr-FR" dirty="0"/>
+              <a:t> en particulier intervient pour trouver ce modèle de manière </a:t>
+            </a:r>
+            <a:r>
+              <a:rPr lang="fr-FR" dirty="0" smtClean="0"/>
+              <a:t>automatisée</a:t>
+            </a:r>
+          </a:p>
+          <a:p>
+            <a:r>
+              <a:rPr lang="fr-FR" dirty="0" smtClean="0"/>
+              <a:t>Problème du quartet d’</a:t>
+            </a:r>
+            <a:r>
+              <a:rPr lang="fr-FR" dirty="0" err="1" smtClean="0"/>
+              <a:t>Ascombe</a:t>
+            </a:r>
+            <a:endParaRPr lang="fr-FR" dirty="0"/>
+          </a:p>
+        </p:txBody>
+      </p:sp>
+    </p:spTree>
+    <p:extLst>
+      <p:ext uri="{BB962C8B-B14F-4D97-AF65-F5344CB8AC3E}">
+        <p14:creationId xmlns:p14="http://schemas.microsoft.com/office/powerpoint/2010/main" val="227056654"/>
+      </p:ext>
+    </p:extLst>
+  </p:cSld>
+  <p:clrMapOvr>
+    <a:masterClrMapping/>
+  </p:clrMapOvr>
+</p:sld>
+</file>
+
 <file path=ppt/slides/slide16.xml><?xml version="1.0" encoding="utf-8"?>
 <p:sld xmlns:a="http://schemas.openxmlformats.org/drawingml/2006/main" xmlns:r="http://schemas.openxmlformats.org/officeDocument/2006/relationships" xmlns:p="http://schemas.openxmlformats.org/presentationml/2006/main">
   <p:cSld>
@@ -4595,126 +4592,6 @@
           <a:p>
             <a:r>
               <a:rPr lang="fr-FR" dirty="0" smtClean="0"/>
-              <a:t>Trouver le bon modèle</a:t>
-            </a:r>
-            <a:endParaRPr lang="fr-FR" dirty="0"/>
-          </a:p>
-        </p:txBody>
-      </p:sp>
-      <p:sp>
-        <p:nvSpPr>
-          <p:cNvPr id="3" name="Espace réservé du contenu 2"/>
-          <p:cNvSpPr>
-            <a:spLocks noGrp="1"/>
-          </p:cNvSpPr>
-          <p:nvPr>
-            <p:ph idx="1"/>
-          </p:nvPr>
-        </p:nvSpPr>
-        <p:spPr/>
-        <p:txBody>
-          <a:bodyPr/>
-          <a:lstStyle/>
-          <a:p>
-            <a:r>
-              <a:rPr lang="fr-FR" dirty="0"/>
-              <a:t>Pour résumer, le travail de modélisation consiste à trouver le bon modèle statistique </a:t>
-            </a:r>
-            <a:r>
-              <a:rPr lang="fr-FR" dirty="0" smtClean="0"/>
-              <a:t>qui </a:t>
-            </a:r>
-            <a:r>
-              <a:rPr lang="fr-FR" dirty="0"/>
-              <a:t>colle le mieux aux données </a:t>
-            </a:r>
-            <a:r>
-              <a:rPr lang="fr-FR" dirty="0" smtClean="0"/>
-              <a:t>d'exemple</a:t>
-            </a:r>
-          </a:p>
-          <a:p>
-            <a:r>
-              <a:rPr lang="fr-FR" dirty="0" smtClean="0"/>
-              <a:t>Le </a:t>
-            </a:r>
-            <a:r>
-              <a:rPr lang="fr-FR" dirty="0"/>
-              <a:t>machine </a:t>
-            </a:r>
-            <a:r>
-              <a:rPr lang="fr-FR" dirty="0" err="1"/>
-              <a:t>learning</a:t>
-            </a:r>
-            <a:r>
-              <a:rPr lang="fr-FR" dirty="0"/>
-              <a:t> en particulier intervient pour trouver ce modèle de manière </a:t>
-            </a:r>
-            <a:r>
-              <a:rPr lang="fr-FR" dirty="0" smtClean="0"/>
-              <a:t>automatisée</a:t>
-            </a:r>
-          </a:p>
-          <a:p>
-            <a:r>
-              <a:rPr lang="fr-FR" dirty="0" smtClean="0"/>
-              <a:t>Problème du quartet d’</a:t>
-            </a:r>
-            <a:r>
-              <a:rPr lang="fr-FR" dirty="0" err="1" smtClean="0"/>
-              <a:t>Ascombe</a:t>
-            </a:r>
-            <a:endParaRPr lang="fr-FR" dirty="0"/>
-          </a:p>
-        </p:txBody>
-      </p:sp>
-    </p:spTree>
-    <p:extLst>
-      <p:ext uri="{BB962C8B-B14F-4D97-AF65-F5344CB8AC3E}">
-        <p14:creationId xmlns:p14="http://schemas.microsoft.com/office/powerpoint/2010/main" val="227056654"/>
-      </p:ext>
-    </p:extLst>
-  </p:cSld>
-  <p:clrMapOvr>
-    <a:masterClrMapping/>
-  </p:clrMapOvr>
-</p:sld>
-</file>
-
-<file path=ppt/slides/slide17.xml><?xml version="1.0" encoding="utf-8"?>
-<p:sld xmlns:a="http://schemas.openxmlformats.org/drawingml/2006/main" xmlns:r="http://schemas.openxmlformats.org/officeDocument/2006/relationships" xmlns:p="http://schemas.openxmlformats.org/presentationml/2006/main">
-  <p:cSld>
-    <p:spTree>
-      <p:nvGrpSpPr>
-        <p:cNvPr id="1" name=""/>
-        <p:cNvGrpSpPr/>
-        <p:nvPr/>
-      </p:nvGrpSpPr>
-      <p:grpSpPr>
-        <a:xfrm>
-          <a:off x="0" y="0"/>
-          <a:ext cx="0" cy="0"/>
-          <a:chOff x="0" y="0"/>
-          <a:chExt cx="0" cy="0"/>
-        </a:xfrm>
-      </p:grpSpPr>
-      <p:sp>
-        <p:nvSpPr>
-          <p:cNvPr id="2" name="Titre 1"/>
-          <p:cNvSpPr>
-            <a:spLocks noGrp="1"/>
-          </p:cNvSpPr>
-          <p:nvPr>
-            <p:ph type="title"/>
-          </p:nvPr>
-        </p:nvSpPr>
-        <p:spPr/>
-        <p:txBody>
-          <a:bodyPr/>
-          <a:lstStyle/>
-          <a:p>
-            <a:r>
-              <a:rPr lang="fr-FR" dirty="0" smtClean="0"/>
               <a:t>Apprentissage</a:t>
             </a:r>
             <a:endParaRPr lang="fr-FR" dirty="0"/>
@@ -4809,7 +4686,7 @@
 </p:sld>
 </file>
 
-<file path=ppt/slides/slide18.xml><?xml version="1.0" encoding="utf-8"?>
+<file path=ppt/slides/slide17.xml><?xml version="1.0" encoding="utf-8"?>
 <p:sld xmlns:a="http://schemas.openxmlformats.org/drawingml/2006/main" xmlns:r="http://schemas.openxmlformats.org/officeDocument/2006/relationships" xmlns:p="http://schemas.openxmlformats.org/presentationml/2006/main">
   <p:cSld>
     <p:spTree>
@@ -4905,7 +4782,7 @@
 </p:sld>
 </file>
 
-<file path=ppt/slides/slide19.xml><?xml version="1.0" encoding="utf-8"?>
+<file path=ppt/slides/slide18.xml><?xml version="1.0" encoding="utf-8"?>
 <p:sld xmlns:a="http://schemas.openxmlformats.org/drawingml/2006/main" xmlns:r="http://schemas.openxmlformats.org/officeDocument/2006/relationships" xmlns:p="http://schemas.openxmlformats.org/presentationml/2006/main">
   <p:cSld>
     <p:spTree>
@@ -4992,6 +4869,154 @@
     <p:extLst>
       <p:ext uri="{BB962C8B-B14F-4D97-AF65-F5344CB8AC3E}">
         <p14:creationId xmlns:p14="http://schemas.microsoft.com/office/powerpoint/2010/main" val="3005573798"/>
+      </p:ext>
+    </p:extLst>
+  </p:cSld>
+  <p:clrMapOvr>
+    <a:masterClrMapping/>
+  </p:clrMapOvr>
+</p:sld>
+</file>
+
+<file path=ppt/slides/slide19.xml><?xml version="1.0" encoding="utf-8"?>
+<p:sld xmlns:a="http://schemas.openxmlformats.org/drawingml/2006/main" xmlns:r="http://schemas.openxmlformats.org/officeDocument/2006/relationships" xmlns:p="http://schemas.openxmlformats.org/presentationml/2006/main">
+  <p:cSld>
+    <p:spTree>
+      <p:nvGrpSpPr>
+        <p:cNvPr id="1" name=""/>
+        <p:cNvGrpSpPr/>
+        <p:nvPr/>
+      </p:nvGrpSpPr>
+      <p:grpSpPr>
+        <a:xfrm>
+          <a:off x="0" y="0"/>
+          <a:ext cx="0" cy="0"/>
+          <a:chOff x="0" y="0"/>
+          <a:chExt cx="0" cy="0"/>
+        </a:xfrm>
+      </p:grpSpPr>
+      <p:sp>
+        <p:nvSpPr>
+          <p:cNvPr id="2" name="Titre 1"/>
+          <p:cNvSpPr>
+            <a:spLocks noGrp="1"/>
+          </p:cNvSpPr>
+          <p:nvPr>
+            <p:ph type="title"/>
+          </p:nvPr>
+        </p:nvSpPr>
+        <p:spPr/>
+        <p:txBody>
+          <a:bodyPr/>
+          <a:lstStyle/>
+          <a:p>
+            <a:r>
+              <a:rPr lang="fr-FR" dirty="0" smtClean="0"/>
+              <a:t>Notre travail</a:t>
+            </a:r>
+            <a:endParaRPr lang="fr-FR" dirty="0"/>
+          </a:p>
+        </p:txBody>
+      </p:sp>
+      <p:sp>
+        <p:nvSpPr>
+          <p:cNvPr id="3" name="Espace réservé du contenu 2"/>
+          <p:cNvSpPr>
+            <a:spLocks noGrp="1"/>
+          </p:cNvSpPr>
+          <p:nvPr>
+            <p:ph idx="1"/>
+          </p:nvPr>
+        </p:nvSpPr>
+        <p:spPr/>
+        <p:txBody>
+          <a:bodyPr/>
+          <a:lstStyle/>
+          <a:p>
+            <a:r>
+              <a:rPr lang="fr-FR" dirty="0"/>
+              <a:t>L</a:t>
+            </a:r>
+            <a:r>
+              <a:rPr lang="fr-FR" dirty="0" smtClean="0"/>
+              <a:t>e </a:t>
+            </a:r>
+            <a:r>
+              <a:rPr lang="fr-FR" dirty="0"/>
+              <a:t>travail du data </a:t>
+            </a:r>
+            <a:r>
+              <a:rPr lang="fr-FR" dirty="0" err="1"/>
+              <a:t>scientist</a:t>
+            </a:r>
+            <a:r>
+              <a:rPr lang="fr-FR" dirty="0"/>
+              <a:t> en machine </a:t>
+            </a:r>
+            <a:r>
+              <a:rPr lang="fr-FR" dirty="0" err="1"/>
+              <a:t>learning</a:t>
+            </a:r>
+            <a:r>
+              <a:rPr lang="fr-FR" dirty="0"/>
+              <a:t> consiste à sélectionner les bonnes données test, choisir et entraîner le bon algorithme en vérifiant grâce à l'analyse d'erreurs que le modèle devient de plus en plus performant et </a:t>
+            </a:r>
+            <a:r>
+              <a:rPr lang="fr-FR" dirty="0" smtClean="0"/>
+              <a:t>robuste</a:t>
+            </a:r>
+          </a:p>
+          <a:p>
+            <a:r>
+              <a:rPr lang="fr-FR" dirty="0" smtClean="0"/>
+              <a:t>Si </a:t>
+            </a:r>
+            <a:r>
+              <a:rPr lang="fr-FR" dirty="0"/>
+              <a:t>les performances s'améliorent lorsqu'on lui fourni les données d'entraînement, on dit alors que la machine "apprend".</a:t>
+            </a:r>
+          </a:p>
+          <a:p>
+            <a:r>
+              <a:rPr lang="fr-FR" dirty="0" smtClean="0"/>
+              <a:t>Le </a:t>
+            </a:r>
+            <a:r>
+              <a:rPr lang="fr-FR" dirty="0"/>
+              <a:t>data </a:t>
+            </a:r>
+            <a:r>
+              <a:rPr lang="fr-FR" dirty="0" err="1"/>
+              <a:t>scientist</a:t>
+            </a:r>
+            <a:r>
+              <a:rPr lang="fr-FR" dirty="0"/>
+              <a:t> peut ensuite </a:t>
+            </a:r>
+            <a:r>
+              <a:rPr lang="fr-FR" dirty="0" smtClean="0"/>
+              <a:t>déployer le modèle </a:t>
+            </a:r>
+            <a:r>
+              <a:rPr lang="fr-FR" dirty="0"/>
+              <a:t>afin qu'il traite de nouvelles données, pour accomplir la tâche </a:t>
+            </a:r>
+            <a:r>
+              <a:rPr lang="fr-FR" dirty="0" smtClean="0"/>
+              <a:t>(prédiction</a:t>
+            </a:r>
+            <a:r>
+              <a:rPr lang="fr-FR" smtClean="0"/>
+              <a:t>, décision, ...).</a:t>
+            </a:r>
+            <a:endParaRPr lang="fr-FR" dirty="0"/>
+          </a:p>
+        </p:txBody>
+      </p:sp>
+    </p:spTree>
+    <p:extLst>
+      <p:ext uri="{BB962C8B-B14F-4D97-AF65-F5344CB8AC3E}">
+        <p14:creationId xmlns:p14="http://schemas.microsoft.com/office/powerpoint/2010/main" val="1793512138"/>
       </p:ext>
     </p:extLst>
   </p:cSld>
@@ -5128,8 +5153,12 @@
           <a:lstStyle/>
           <a:p>
             <a:r>
-              <a:rPr lang="fr-FR" dirty="0" smtClean="0"/>
-              <a:t>Notre travail</a:t>
+              <a:rPr lang="fr-FR" dirty="0"/>
+              <a:t>L'algorithme </a:t>
+            </a:r>
+            <a:r>
+              <a:rPr lang="fr-FR" dirty="0" smtClean="0"/>
+              <a:t>d'apprentissage</a:t>
             </a:r>
             <a:endParaRPr lang="fr-FR" dirty="0"/>
           </a:p>
@@ -5152,79 +5181,41 @@
           <a:p>
             <a:r>
               <a:rPr lang="fr-FR" dirty="0"/>
-              <a:t>L</a:t>
-            </a:r>
-            <a:r>
-              <a:rPr lang="fr-FR" dirty="0" smtClean="0"/>
-              <a:t>e </a:t>
+              <a:t>L'algorithme d'apprentissage constitue la méthode avec laquelle le modèle statistique va se paramétrer à partir des données </a:t>
+            </a:r>
+            <a:r>
+              <a:rPr lang="fr-FR" dirty="0" smtClean="0"/>
+              <a:t>d'exemple</a:t>
+            </a:r>
+          </a:p>
+          <a:p>
+            <a:pPr lvl="1"/>
+            <a:r>
+              <a:rPr lang="fr-FR" dirty="0" smtClean="0"/>
+              <a:t>Il </a:t>
             </a:r>
             <a:r>
               <a:rPr lang="fr-FR" dirty="0"/>
-              <a:t>travail du data </a:t>
-            </a:r>
-            <a:r>
-              <a:rPr lang="fr-FR" dirty="0" err="1"/>
-              <a:t>scientist</a:t>
+              <a:t>existe de nombreux algorithmes différents </a:t>
+            </a:r>
+            <a:r>
+              <a:rPr lang="fr-FR" dirty="0" smtClean="0"/>
+              <a:t>!</a:t>
+            </a:r>
+          </a:p>
+          <a:p>
+            <a:pPr lvl="1"/>
+            <a:r>
+              <a:rPr lang="fr-FR" dirty="0" smtClean="0"/>
+              <a:t>On </a:t>
             </a:r>
             <a:r>
               <a:rPr lang="fr-FR" dirty="0"/>
-              <a:t> en machine </a:t>
-            </a:r>
-            <a:r>
-              <a:rPr lang="fr-FR" dirty="0" err="1"/>
-              <a:t>learning</a:t>
-            </a:r>
-            <a:r>
-              <a:rPr lang="fr-FR" dirty="0"/>
-              <a:t> consiste à sélectionner les bonnes données test, choisir et entraîner le bon algorithme en vérifiant grâce à l'analyse d'erreurs que le modèle devient de plus en plus performant et </a:t>
-            </a:r>
-            <a:r>
-              <a:rPr lang="fr-FR" dirty="0" smtClean="0"/>
-              <a:t>robuste</a:t>
-            </a:r>
-          </a:p>
-          <a:p>
-            <a:r>
-              <a:rPr lang="fr-FR" dirty="0" smtClean="0"/>
-              <a:t>Si </a:t>
-            </a:r>
-            <a:r>
-              <a:rPr lang="fr-FR" dirty="0"/>
-              <a:t>les performances s'améliorent lorsqu'on lui fourni les données d'entraînement, on dit alors que la machine "apprend".</a:t>
-            </a:r>
-          </a:p>
-          <a:p>
-            <a:r>
-              <a:rPr lang="fr-FR" dirty="0" smtClean="0"/>
-              <a:t>Le </a:t>
-            </a:r>
-            <a:r>
-              <a:rPr lang="fr-FR" dirty="0"/>
-              <a:t>data </a:t>
-            </a:r>
-            <a:r>
-              <a:rPr lang="fr-FR" dirty="0" err="1"/>
-              <a:t>scientist</a:t>
-            </a:r>
-            <a:r>
-              <a:rPr lang="fr-FR" dirty="0"/>
-              <a:t> peut ensuite </a:t>
-            </a:r>
-            <a:r>
-              <a:rPr lang="fr-FR" dirty="0" smtClean="0"/>
-              <a:t>déployer le modèle </a:t>
-            </a:r>
-            <a:r>
-              <a:rPr lang="fr-FR" dirty="0"/>
-              <a:t>afin qu'il traite de nouvelles données, pour accomplir la tâche </a:t>
-            </a:r>
-            <a:r>
-              <a:rPr lang="fr-FR" dirty="0" smtClean="0"/>
-              <a:t>(prédiction</a:t>
-            </a:r>
-            <a:r>
-              <a:rPr lang="fr-FR" smtClean="0"/>
-              <a:t>, décision, ...).</a:t>
+              <a:t>choisira un type d'algorithme particulier en fonction du type de tâche que l'on souhaite accomplir et du type de données dont on </a:t>
+            </a:r>
+            <a:r>
+              <a:rPr lang="fr-FR" dirty="0" smtClean="0"/>
+              <a:t>dispose</a:t>
             </a:r>
             <a:endParaRPr lang="fr-FR" dirty="0"/>
           </a:p>
@@ -5233,7 +5224,7 @@
     </p:spTree>
     <p:extLst>
       <p:ext uri="{BB962C8B-B14F-4D97-AF65-F5344CB8AC3E}">
-        <p14:creationId xmlns:p14="http://schemas.microsoft.com/office/powerpoint/2010/main" val="1793512138"/>
+        <p14:creationId xmlns:p14="http://schemas.microsoft.com/office/powerpoint/2010/main" val="3964307377"/>
       </p:ext>
     </p:extLst>
   </p:cSld>
@@ -5276,12 +5267,8 @@
           <a:lstStyle/>
           <a:p>
             <a:r>
-              <a:rPr lang="fr-FR" dirty="0"/>
-              <a:t>L'algorithme </a:t>
-            </a:r>
-            <a:r>
-              <a:rPr lang="fr-FR" dirty="0" smtClean="0"/>
-              <a:t>d'apprentissage</a:t>
+              <a:rPr lang="fr-FR" dirty="0" smtClean="0"/>
+              <a:t>Exemples</a:t>
             </a:r>
             <a:endParaRPr lang="fr-FR" dirty="0"/>
           </a:p>
@@ -5304,50 +5291,91 @@
           <a:p>
             <a:r>
               <a:rPr lang="fr-FR" dirty="0"/>
-              <a:t>L'algorithme d'apprentissage constitue la méthode avec laquelle le modèle statistique va se paramétrer à partir des données </a:t>
-            </a:r>
-            <a:r>
-              <a:rPr lang="fr-FR" dirty="0" smtClean="0"/>
-              <a:t>d'exemple</a:t>
+              <a:t>Quelques exemples d'algorithmes de machine </a:t>
+            </a:r>
+            <a:r>
+              <a:rPr lang="fr-FR" dirty="0" err="1"/>
+              <a:t>learning</a:t>
+            </a:r>
+            <a:r>
+              <a:rPr lang="fr-FR" dirty="0"/>
+              <a:t>, dont vous avez peut-être déjà entendu parler :</a:t>
             </a:r>
           </a:p>
           <a:p>
             <a:pPr lvl="1"/>
             <a:r>
               <a:rPr lang="fr-FR" dirty="0" smtClean="0"/>
-              <a:t>Il </a:t>
+              <a:t>La </a:t>
             </a:r>
             <a:r>
               <a:rPr lang="fr-FR" dirty="0"/>
-              <a:t>existe de nombreux algorithmes différents </a:t>
-            </a:r>
-            <a:r>
-              <a:rPr lang="fr-FR" dirty="0" smtClean="0"/>
-              <a:t>!</a:t>
+              <a:t>régression linéaire</a:t>
             </a:r>
           </a:p>
           <a:p>
             <a:pPr lvl="1"/>
             <a:r>
-              <a:rPr lang="fr-FR" dirty="0" smtClean="0"/>
-              <a:t>On </a:t>
-            </a:r>
+              <a:rPr lang="fr-FR" dirty="0" err="1"/>
+              <a:t>K-nn</a:t>
+            </a:r>
+            <a:endParaRPr lang="fr-FR" dirty="0"/>
+          </a:p>
+          <a:p>
+            <a:pPr lvl="1"/>
             <a:r>
               <a:rPr lang="fr-FR" dirty="0"/>
-              <a:t>choisira un type d'algorithme particulier en fonction du type de tâche que l'on souhaite accomplir et du type de données dont on </a:t>
-            </a:r>
-            <a:r>
-              <a:rPr lang="fr-FR" dirty="0" smtClean="0"/>
-              <a:t>dispose</a:t>
+              <a:t>Les Support </a:t>
+            </a:r>
+            <a:r>
+              <a:rPr lang="fr-FR" dirty="0" err="1"/>
+              <a:t>Vector</a:t>
+            </a:r>
+            <a:r>
+              <a:rPr lang="fr-FR" dirty="0"/>
+              <a:t> Machine (SVM)</a:t>
+            </a:r>
+          </a:p>
+          <a:p>
+            <a:pPr lvl="1"/>
+            <a:r>
+              <a:rPr lang="fr-FR" dirty="0"/>
+              <a:t>Les réseaux de neurones</a:t>
+            </a:r>
+          </a:p>
+          <a:p>
+            <a:pPr lvl="1"/>
+            <a:r>
+              <a:rPr lang="fr-FR" dirty="0"/>
+              <a:t>Les </a:t>
+            </a:r>
+            <a:r>
+              <a:rPr lang="fr-FR" dirty="0" err="1"/>
+              <a:t>random</a:t>
+            </a:r>
+            <a:r>
+              <a:rPr lang="fr-FR" dirty="0"/>
+              <a:t> </a:t>
+            </a:r>
+            <a:r>
+              <a:rPr lang="fr-FR" dirty="0" err="1"/>
+              <a:t>forests</a:t>
             </a:r>
             <a:endParaRPr lang="fr-FR" dirty="0"/>
+          </a:p>
+          <a:p>
+            <a:pPr lvl="1"/>
+            <a:r>
+              <a:rPr lang="fr-FR" dirty="0"/>
+              <a:t>etc.</a:t>
+            </a:r>
           </a:p>
         </p:txBody>
       </p:sp>
     </p:spTree>
     <p:extLst>
       <p:ext uri="{BB962C8B-B14F-4D97-AF65-F5344CB8AC3E}">
-        <p14:creationId xmlns:p14="http://schemas.microsoft.com/office/powerpoint/2010/main" val="3964307377"/>
+        <p14:creationId xmlns:p14="http://schemas.microsoft.com/office/powerpoint/2010/main" val="3598608001"/>
       </p:ext>
     </p:extLst>
   </p:cSld>
@@ -5391,7 +5419,7 @@
           <a:p>
             <a:r>
               <a:rPr lang="fr-FR" dirty="0" smtClean="0"/>
-              <a:t>Exemples</a:t>
+              <a:t>Mesure de performance</a:t>
             </a:r>
             <a:endParaRPr lang="fr-FR" dirty="0"/>
           </a:p>
@@ -5414,91 +5442,22 @@
           <a:p>
             <a:r>
               <a:rPr lang="fr-FR" dirty="0"/>
-              <a:t>Quelques exemples d'algorithmes de machine </a:t>
-            </a:r>
-            <a:r>
-              <a:rPr lang="fr-FR" dirty="0" err="1"/>
-              <a:t>learning</a:t>
-            </a:r>
-            <a:r>
-              <a:rPr lang="fr-FR" dirty="0"/>
-              <a:t>, dont vous avez peut-être déjà entendu parler :</a:t>
-            </a:r>
-          </a:p>
-          <a:p>
-            <a:pPr lvl="1"/>
-            <a:r>
-              <a:rPr lang="fr-FR" dirty="0" smtClean="0"/>
-              <a:t>La </a:t>
-            </a:r>
-            <a:r>
-              <a:rPr lang="fr-FR" dirty="0"/>
-              <a:t>régression linéaire</a:t>
-            </a:r>
-          </a:p>
-          <a:p>
-            <a:pPr lvl="1"/>
-            <a:r>
-              <a:rPr lang="fr-FR" dirty="0" err="1"/>
-              <a:t>K-nn</a:t>
-            </a:r>
+              <a:t>Mesurer les performances fait partie intégrante du travail de modélisation. Il faut en général déterminer une mesure principale, souvent spécifique à la tâche à </a:t>
+            </a:r>
+            <a:r>
+              <a:rPr lang="fr-FR" dirty="0" smtClean="0"/>
+              <a:t>accomplir</a:t>
+            </a:r>
+          </a:p>
+          <a:p>
             <a:endParaRPr lang="fr-FR" dirty="0"/>
-          </a:p>
-          <a:p>
-            <a:pPr lvl="1"/>
-            <a:r>
-              <a:rPr lang="fr-FR" dirty="0"/>
-              <a:t>Les Support </a:t>
-            </a:r>
-            <a:r>
-              <a:rPr lang="fr-FR" dirty="0" err="1"/>
-              <a:t>Vector</a:t>
-            </a:r>
-            <a:r>
-              <a:rPr lang="fr-FR" dirty="0"/>
-              <a:t> Machine (SVM)</a:t>
-            </a:r>
-          </a:p>
-          <a:p>
-            <a:pPr lvl="1"/>
-            <a:r>
-              <a:rPr lang="fr-FR" dirty="0"/>
-              <a:t>Les réseaux de neurones</a:t>
-            </a:r>
-          </a:p>
-          <a:p>
-            <a:pPr lvl="1"/>
-            <a:r>
-              <a:rPr lang="fr-FR" dirty="0"/>
-              <a:t>Les </a:t>
-            </a:r>
-            <a:r>
-              <a:rPr lang="fr-FR" dirty="0" err="1"/>
-              <a:t>random</a:t>
-            </a:r>
-            <a:r>
-              <a:rPr lang="fr-FR" dirty="0"/>
-              <a:t> </a:t>
-            </a:r>
-            <a:r>
-              <a:rPr lang="fr-FR" dirty="0" err="1"/>
-              <a:t>forests</a:t>
-            </a:r>
-            <a:endParaRPr lang="fr-FR" dirty="0"/>
-          </a:p>
-          <a:p>
-            <a:pPr lvl="1"/>
-            <a:r>
-              <a:rPr lang="fr-FR" dirty="0"/>
-              <a:t>etc.</a:t>
-            </a:r>
           </a:p>
         </p:txBody>
       </p:sp>
     </p:spTree>
     <p:extLst>
       <p:ext uri="{BB962C8B-B14F-4D97-AF65-F5344CB8AC3E}">
-        <p14:creationId xmlns:p14="http://schemas.microsoft.com/office/powerpoint/2010/main" val="3598608001"/>
+        <p14:creationId xmlns:p14="http://schemas.microsoft.com/office/powerpoint/2010/main" val="2082360479"/>
       </p:ext>
     </p:extLst>
   </p:cSld>
@@ -5542,7 +5501,7 @@
           <a:p>
             <a:r>
               <a:rPr lang="fr-FR" dirty="0" smtClean="0"/>
-              <a:t>Mesure de performance</a:t>
+              <a:t>Exemple</a:t>
             </a:r>
             <a:endParaRPr lang="fr-FR" dirty="0"/>
           </a:p>
@@ -5564,23 +5523,97 @@
           <a:lstStyle/>
           <a:p>
             <a:r>
-              <a:rPr lang="fr-FR" dirty="0"/>
-              <a:t>Mesurer les performances fait partie intégrante du travail de modélisation. Il faut en général déterminer une mesure principale, souvent spécifique à la tâche à </a:t>
-            </a:r>
-            <a:r>
-              <a:rPr lang="fr-FR" dirty="0" smtClean="0"/>
-              <a:t>accomplir</a:t>
-            </a:r>
-          </a:p>
-          <a:p>
-            <a:endParaRPr lang="fr-FR" dirty="0"/>
+              <a:rPr lang="fr-FR" sz="2400" dirty="0"/>
+              <a:t>Imaginez que vous voulez créer un algorithme de détection de fraudes </a:t>
+            </a:r>
+            <a:r>
+              <a:rPr lang="fr-FR" sz="2400" dirty="0" smtClean="0"/>
+              <a:t>bancaires</a:t>
+            </a:r>
+          </a:p>
+          <a:p>
+            <a:pPr lvl="1"/>
+            <a:r>
+              <a:rPr lang="fr-FR" sz="2000" dirty="0" smtClean="0"/>
+              <a:t>Vous </a:t>
+            </a:r>
+            <a:r>
+              <a:rPr lang="fr-FR" sz="2000" dirty="0"/>
+              <a:t>voulez mesurer à quel point votre programme est </a:t>
+            </a:r>
+            <a:r>
+              <a:rPr lang="fr-FR" sz="2000" dirty="0" smtClean="0"/>
+              <a:t>performant</a:t>
+            </a:r>
+          </a:p>
+          <a:p>
+            <a:r>
+              <a:rPr lang="fr-FR" sz="2400" dirty="0" smtClean="0"/>
+              <a:t>Une </a:t>
+            </a:r>
+            <a:r>
+              <a:rPr lang="fr-FR" sz="2400" dirty="0"/>
+              <a:t>manière de faire serait de mesurer la proportion totale de transaction détectées comme </a:t>
+            </a:r>
+            <a:r>
+              <a:rPr lang="fr-FR" sz="2400" dirty="0" smtClean="0"/>
+              <a:t>fraude</a:t>
+            </a:r>
+          </a:p>
+          <a:p>
+            <a:pPr lvl="1"/>
+            <a:r>
+              <a:rPr lang="fr-FR" sz="2000" dirty="0" smtClean="0"/>
+              <a:t>Cependant</a:t>
+            </a:r>
+            <a:r>
+              <a:rPr lang="fr-FR" sz="2000" dirty="0"/>
+              <a:t>, on compte ici les transactions qui ne sont pas des fraudes et qui ont quand même été notées comme en étant (appelé "faux positifs</a:t>
+            </a:r>
+            <a:r>
+              <a:rPr lang="fr-FR" sz="2000" dirty="0" smtClean="0"/>
+              <a:t>")</a:t>
+            </a:r>
+          </a:p>
+          <a:p>
+            <a:pPr lvl="1"/>
+            <a:r>
+              <a:rPr lang="fr-FR" sz="2000" dirty="0" smtClean="0"/>
+              <a:t>Donc</a:t>
+            </a:r>
+            <a:r>
+              <a:rPr lang="fr-FR" sz="2000" dirty="0"/>
+              <a:t>, avec ce genre de métriques, on est pas exigeant sur ce type d'erreur que produit notre </a:t>
+            </a:r>
+            <a:r>
+              <a:rPr lang="fr-FR" sz="2000" dirty="0" smtClean="0"/>
+              <a:t>algorithme</a:t>
+            </a:r>
+          </a:p>
+          <a:p>
+            <a:r>
+              <a:rPr lang="fr-FR" sz="2400" dirty="0" smtClean="0"/>
+              <a:t>Il </a:t>
+            </a:r>
+            <a:r>
+              <a:rPr lang="fr-FR" sz="2400" dirty="0"/>
+              <a:t>faut peut être, utiliser une autre métrique plus pertinente. Par exemple, la précision qui est la proportion de "vraies fraudes" détectées par rapport au total de transactions </a:t>
+            </a:r>
+            <a:r>
+              <a:rPr lang="fr-FR" sz="2400" dirty="0" err="1"/>
+              <a:t>flagées</a:t>
+            </a:r>
+            <a:r>
+              <a:rPr lang="fr-FR" sz="2400" dirty="0"/>
+              <a:t> comme fraudes</a:t>
+            </a:r>
           </a:p>
         </p:txBody>
       </p:sp>
     </p:spTree>
     <p:extLst>
       <p:ext uri="{BB962C8B-B14F-4D97-AF65-F5344CB8AC3E}">
-        <p14:creationId xmlns:p14="http://schemas.microsoft.com/office/powerpoint/2010/main" val="2082360479"/>
+        <p14:creationId xmlns:p14="http://schemas.microsoft.com/office/powerpoint/2010/main" val="3364646151"/>
       </p:ext>
     </p:extLst>
   </p:cSld>
@@ -5624,7 +5657,7 @@
           <a:p>
             <a:r>
               <a:rPr lang="fr-FR" dirty="0" smtClean="0"/>
-              <a:t>Exemple</a:t>
+              <a:t>Autre exemple</a:t>
             </a:r>
             <a:endParaRPr lang="fr-FR" dirty="0"/>
           </a:p>
@@ -5646,97 +5679,23 @@
           <a:lstStyle/>
           <a:p>
             <a:r>
-              <a:rPr lang="fr-FR" sz="2400" dirty="0"/>
-              <a:t>Imaginez que vous voulez créer un algorithme de détection de fraudes </a:t>
-            </a:r>
-            <a:r>
-              <a:rPr lang="fr-FR" sz="2400" dirty="0" smtClean="0"/>
-              <a:t>bancaires</a:t>
-            </a:r>
-          </a:p>
-          <a:p>
-            <a:pPr lvl="1"/>
-            <a:r>
-              <a:rPr lang="fr-FR" sz="2000" dirty="0" smtClean="0"/>
-              <a:t>Vous </a:t>
-            </a:r>
-            <a:r>
-              <a:rPr lang="fr-FR" sz="2000" dirty="0"/>
-              <a:t>voulez mesurer à quel point votre programme est </a:t>
-            </a:r>
-            <a:r>
-              <a:rPr lang="fr-FR" sz="2000" dirty="0" smtClean="0"/>
-              <a:t>performant</a:t>
-            </a:r>
-          </a:p>
-          <a:p>
-            <a:r>
-              <a:rPr lang="fr-FR" sz="2400" dirty="0" smtClean="0"/>
-              <a:t>Une </a:t>
-            </a:r>
-            <a:r>
-              <a:rPr lang="fr-FR" sz="2400" dirty="0"/>
-              <a:t>manière de faire serait de mesurer la proportion totale de transaction détectées comme </a:t>
-            </a:r>
-            <a:r>
-              <a:rPr lang="fr-FR" sz="2400" dirty="0" smtClean="0"/>
-              <a:t>fraude</a:t>
-            </a:r>
-          </a:p>
-          <a:p>
-            <a:pPr lvl="1"/>
-            <a:r>
-              <a:rPr lang="fr-FR" sz="2000" dirty="0" smtClean="0"/>
-              <a:t>Cependant</a:t>
-            </a:r>
-            <a:r>
-              <a:rPr lang="fr-FR" sz="2000" dirty="0"/>
-              <a:t>, on compte ici les transactions qui ne sont pas des fraudes et qui ont quand même été notées comme en étant (appelé "faux positifs</a:t>
-            </a:r>
-            <a:r>
-              <a:rPr lang="fr-FR" sz="2000" dirty="0" smtClean="0"/>
-              <a:t>")</a:t>
-            </a:r>
-          </a:p>
-          <a:p>
-            <a:pPr lvl="1"/>
-            <a:r>
-              <a:rPr lang="fr-FR" sz="2000" dirty="0" smtClean="0"/>
-              <a:t>Donc</a:t>
-            </a:r>
-            <a:r>
-              <a:rPr lang="fr-FR" sz="2000" dirty="0"/>
-              <a:t>, avec ce genre de métriques, on est pas exigeant sur ce type d'erreur que produit notre </a:t>
-            </a:r>
-            <a:r>
-              <a:rPr lang="fr-FR" sz="2000" dirty="0" smtClean="0"/>
-              <a:t>algorithme</a:t>
-            </a:r>
-          </a:p>
-          <a:p>
-            <a:r>
-              <a:rPr lang="fr-FR" sz="2400" dirty="0" smtClean="0"/>
-              <a:t>Il </a:t>
-            </a:r>
-            <a:r>
-              <a:rPr lang="fr-FR" sz="2400" dirty="0"/>
-              <a:t>faut peut être, utiliser une autre métrique plus pertinente. Par exemple, la précision qui est la proportion de "vraies fraudes" détectées par rapport au total de transactions </a:t>
-            </a:r>
-            <a:r>
-              <a:rPr lang="fr-FR" sz="2400" dirty="0" err="1"/>
-              <a:t>flagées</a:t>
-            </a:r>
-            <a:r>
-              <a:rPr lang="fr-FR" sz="2400" dirty="0"/>
-              <a:t> comme fraudes</a:t>
-            </a:r>
+              <a:rPr lang="fr-FR" dirty="0" smtClean="0"/>
+              <a:t>Dans la détection de maladie comme la méningite le nombre de faux positif n’est pas très important</a:t>
+            </a:r>
+          </a:p>
+          <a:p>
+            <a:r>
+              <a:rPr lang="fr-FR" dirty="0" smtClean="0"/>
+              <a:t>Alors que le nombre de faux négatif est potentiellement mortel</a:t>
+            </a:r>
+            <a:endParaRPr lang="fr-FR" dirty="0"/>
           </a:p>
         </p:txBody>
       </p:sp>
     </p:spTree>
     <p:extLst>
       <p:ext uri="{BB962C8B-B14F-4D97-AF65-F5344CB8AC3E}">
-        <p14:creationId xmlns:p14="http://schemas.microsoft.com/office/powerpoint/2010/main" val="3364646151"/>
+        <p14:creationId xmlns:p14="http://schemas.microsoft.com/office/powerpoint/2010/main" val="3857640251"/>
       </p:ext>
     </p:extLst>
   </p:cSld>
@@ -5780,88 +5739,6 @@
           <a:p>
             <a:r>
               <a:rPr lang="fr-FR" dirty="0" smtClean="0"/>
-              <a:t>Autre exemple</a:t>
-            </a:r>
-            <a:endParaRPr lang="fr-FR" dirty="0"/>
-          </a:p>
-        </p:txBody>
-      </p:sp>
-      <p:sp>
-        <p:nvSpPr>
-          <p:cNvPr id="3" name="Espace réservé du contenu 2"/>
-          <p:cNvSpPr>
-            <a:spLocks noGrp="1"/>
-          </p:cNvSpPr>
-          <p:nvPr>
-            <p:ph idx="1"/>
-          </p:nvPr>
-        </p:nvSpPr>
-        <p:spPr/>
-        <p:txBody>
-          <a:bodyPr/>
-          <a:lstStyle/>
-          <a:p>
-            <a:r>
-              <a:rPr lang="fr-FR" dirty="0" smtClean="0"/>
-              <a:t>Dans la détection de maladie comme la méningite le nombre de faux positif n’est pas très important</a:t>
-            </a:r>
-          </a:p>
-          <a:p>
-            <a:r>
-              <a:rPr lang="fr-FR" dirty="0" smtClean="0"/>
-              <a:t>Alors que le nombre de faux négatif est potentiellement mortel</a:t>
-            </a:r>
-            <a:endParaRPr lang="fr-FR" dirty="0"/>
-          </a:p>
-        </p:txBody>
-      </p:sp>
-    </p:spTree>
-    <p:extLst>
-      <p:ext uri="{BB962C8B-B14F-4D97-AF65-F5344CB8AC3E}">
-        <p14:creationId xmlns:p14="http://schemas.microsoft.com/office/powerpoint/2010/main" val="3857640251"/>
-      </p:ext>
-    </p:extLst>
-  </p:cSld>
-  <p:clrMapOvr>
-    <a:masterClrMapping/>
-  </p:clrMapOvr>
-</p:sld>
-</file>
-
-<file path=ppt/slides/slide26.xml><?xml version="1.0" encoding="utf-8"?>
-<p:sld xmlns:a="http://schemas.openxmlformats.org/drawingml/2006/main" xmlns:r="http://schemas.openxmlformats.org/officeDocument/2006/relationships" xmlns:p="http://schemas.openxmlformats.org/presentationml/2006/main">
-  <p:cSld>
-    <p:spTree>
-      <p:nvGrpSpPr>
-        <p:cNvPr id="1" name=""/>
-        <p:cNvGrpSpPr/>
-        <p:nvPr/>
-      </p:nvGrpSpPr>
-      <p:grpSpPr>
-        <a:xfrm>
-          <a:off x="0" y="0"/>
-          <a:ext cx="0" cy="0"/>
-          <a:chOff x="0" y="0"/>
-          <a:chExt cx="0" cy="0"/>
-        </a:xfrm>
-      </p:grpSpPr>
-      <p:sp>
-        <p:nvSpPr>
-          <p:cNvPr id="2" name="Titre 1"/>
-          <p:cNvSpPr>
-            <a:spLocks noGrp="1"/>
-          </p:cNvSpPr>
-          <p:nvPr>
-            <p:ph type="title"/>
-          </p:nvPr>
-        </p:nvSpPr>
-        <p:spPr/>
-        <p:txBody>
-          <a:bodyPr/>
-          <a:lstStyle/>
-          <a:p>
-            <a:r>
-              <a:rPr lang="fr-FR" dirty="0" smtClean="0"/>
               <a:t>Problème de la recommandation</a:t>
             </a:r>
             <a:endParaRPr lang="fr-FR" dirty="0"/>
@@ -5993,7 +5870,7 @@
 </p:sld>
 </file>
 
-<file path=ppt/slides/slide27.xml><?xml version="1.0" encoding="utf-8"?>
+<file path=ppt/slides/slide26.xml><?xml version="1.0" encoding="utf-8"?>
 <p:sld xmlns:a="http://schemas.openxmlformats.org/drawingml/2006/main" xmlns:r="http://schemas.openxmlformats.org/officeDocument/2006/relationships" xmlns:p="http://schemas.openxmlformats.org/presentationml/2006/main">
   <p:cSld>
     <p:spTree>
@@ -6110,7 +5987,7 @@
 </p:sld>
 </file>
 
-<file path=ppt/slides/slide28.xml><?xml version="1.0" encoding="utf-8"?>
+<file path=ppt/slides/slide27.xml><?xml version="1.0" encoding="utf-8"?>
 <p:sld xmlns:a="http://schemas.openxmlformats.org/drawingml/2006/main" xmlns:r="http://schemas.openxmlformats.org/officeDocument/2006/relationships" xmlns:p="http://schemas.openxmlformats.org/presentationml/2006/main">
   <p:cSld>
     <p:spTree>
@@ -6229,7 +6106,7 @@
 </p:sld>
 </file>
 
-<file path=ppt/slides/slide29.xml><?xml version="1.0" encoding="utf-8"?>
+<file path=ppt/slides/slide28.xml><?xml version="1.0" encoding="utf-8"?>
 <p:sld xmlns:a="http://schemas.openxmlformats.org/drawingml/2006/main" xmlns:r="http://schemas.openxmlformats.org/officeDocument/2006/relationships" xmlns:p="http://schemas.openxmlformats.org/presentationml/2006/main">
   <p:cSld>
     <p:spTree>
@@ -6325,6 +6202,144 @@
 </p:sld>
 </file>
 
+<file path=ppt/slides/slide29.xml><?xml version="1.0" encoding="utf-8"?>
+<p:sld xmlns:a="http://schemas.openxmlformats.org/drawingml/2006/main" xmlns:r="http://schemas.openxmlformats.org/officeDocument/2006/relationships" xmlns:p="http://schemas.openxmlformats.org/presentationml/2006/main">
+  <p:cSld>
+    <p:spTree>
+      <p:nvGrpSpPr>
+        <p:cNvPr id="1" name=""/>
+        <p:cNvGrpSpPr/>
+        <p:nvPr/>
+      </p:nvGrpSpPr>
+      <p:grpSpPr>
+        <a:xfrm>
+          <a:off x="0" y="0"/>
+          <a:ext cx="0" cy="0"/>
+          <a:chOff x="0" y="0"/>
+          <a:chExt cx="0" cy="0"/>
+        </a:xfrm>
+      </p:grpSpPr>
+      <p:sp>
+        <p:nvSpPr>
+          <p:cNvPr id="2" name="Titre 1"/>
+          <p:cNvSpPr>
+            <a:spLocks noGrp="1"/>
+          </p:cNvSpPr>
+          <p:nvPr>
+            <p:ph type="title"/>
+          </p:nvPr>
+        </p:nvSpPr>
+        <p:spPr/>
+        <p:txBody>
+          <a:bodyPr/>
+          <a:lstStyle/>
+          <a:p>
+            <a:r>
+              <a:rPr lang="fr-FR" dirty="0" smtClean="0"/>
+              <a:t>No Free Lunch</a:t>
+            </a:r>
+            <a:endParaRPr lang="fr-FR" dirty="0"/>
+          </a:p>
+        </p:txBody>
+      </p:sp>
+      <p:sp>
+        <p:nvSpPr>
+          <p:cNvPr id="3" name="Espace réservé du contenu 2"/>
+          <p:cNvSpPr>
+            <a:spLocks noGrp="1"/>
+          </p:cNvSpPr>
+          <p:nvPr>
+            <p:ph idx="1"/>
+          </p:nvPr>
+        </p:nvSpPr>
+        <p:spPr/>
+        <p:txBody>
+          <a:bodyPr/>
+          <a:lstStyle/>
+          <a:p>
+            <a:r>
+              <a:rPr lang="fr-FR" dirty="0"/>
+              <a:t>Le théorème du "No Free Lunch" </a:t>
+            </a:r>
+            <a:r>
+              <a:rPr lang="fr-FR" dirty="0" smtClean="0"/>
+              <a:t>est </a:t>
+            </a:r>
+            <a:r>
+              <a:rPr lang="fr-FR" dirty="0"/>
+              <a:t>la raison pour laquelle on va encore avoir besoin des data </a:t>
+            </a:r>
+            <a:r>
+              <a:rPr lang="fr-FR" dirty="0" err="1"/>
+              <a:t>scientists</a:t>
+            </a:r>
+            <a:r>
+              <a:rPr lang="fr-FR" dirty="0"/>
+              <a:t> pour un bon bout de temps </a:t>
+            </a:r>
+            <a:r>
+              <a:rPr lang="fr-FR" dirty="0" smtClean="0"/>
+              <a:t>!</a:t>
+            </a:r>
+            <a:endParaRPr lang="fr-FR" dirty="0"/>
+          </a:p>
+          <a:p>
+            <a:pPr lvl="1"/>
+            <a:r>
+              <a:rPr lang="fr-FR" dirty="0" smtClean="0"/>
+              <a:t>En </a:t>
+            </a:r>
+            <a:r>
+              <a:rPr lang="fr-FR" dirty="0"/>
+              <a:t>essence, ce théorème statue qu'aucun modèle et algorithme ne fonctionne bien pour tous les </a:t>
+            </a:r>
+            <a:r>
+              <a:rPr lang="fr-FR" dirty="0" smtClean="0"/>
+              <a:t>problèmes</a:t>
+            </a:r>
+          </a:p>
+          <a:p>
+            <a:pPr lvl="1"/>
+            <a:r>
+              <a:rPr lang="fr-FR" dirty="0" smtClean="0"/>
+              <a:t>En </a:t>
+            </a:r>
+            <a:r>
+              <a:rPr lang="fr-FR" dirty="0"/>
+              <a:t>d'autres termes, si un algorithme de machine </a:t>
+            </a:r>
+            <a:r>
+              <a:rPr lang="fr-FR" dirty="0" err="1"/>
+              <a:t>learning</a:t>
+            </a:r>
+            <a:r>
+              <a:rPr lang="fr-FR" dirty="0"/>
+              <a:t> fonctionne bien sur un type de problème particulier, ça veut dire qu'il le paiera ailleurs, et sera donc moins performant en moyenne sur le reste des problèmes. </a:t>
+            </a:r>
+          </a:p>
+          <a:p>
+            <a:pPr lvl="1"/>
+            <a:r>
+              <a:rPr lang="fr-FR" dirty="0" smtClean="0"/>
+              <a:t>.</a:t>
+            </a:r>
+            <a:endParaRPr lang="fr-FR" dirty="0"/>
+          </a:p>
+        </p:txBody>
+      </p:sp>
+    </p:spTree>
+    <p:extLst>
+      <p:ext uri="{BB962C8B-B14F-4D97-AF65-F5344CB8AC3E}">
+        <p14:creationId xmlns:p14="http://schemas.microsoft.com/office/powerpoint/2010/main" val="759516556"/>
+      </p:ext>
+    </p:extLst>
+  </p:cSld>
+  <p:clrMapOvr>
+    <a:masterClrMapping/>
+  </p:clrMapOvr>
+</p:sld>
+</file>
+
 <file path=ppt/slides/slide3.xml><?xml version="1.0" encoding="utf-8"?>
 <p:sld xmlns:a="http://schemas.openxmlformats.org/drawingml/2006/main" xmlns:r="http://schemas.openxmlformats.org/officeDocument/2006/relationships" xmlns:p="http://schemas.openxmlformats.org/presentationml/2006/main">
   <p:cSld>
@@ -6458,144 +6473,6 @@
           <a:p>
             <a:r>
               <a:rPr lang="fr-FR" dirty="0" smtClean="0"/>
-              <a:t>No Free Lunch</a:t>
-            </a:r>
-            <a:endParaRPr lang="fr-FR" dirty="0"/>
-          </a:p>
-        </p:txBody>
-      </p:sp>
-      <p:sp>
-        <p:nvSpPr>
-          <p:cNvPr id="3" name="Espace réservé du contenu 2"/>
-          <p:cNvSpPr>
-            <a:spLocks noGrp="1"/>
-          </p:cNvSpPr>
-          <p:nvPr>
-            <p:ph idx="1"/>
-          </p:nvPr>
-        </p:nvSpPr>
-        <p:spPr/>
-        <p:txBody>
-          <a:bodyPr/>
-          <a:lstStyle/>
-          <a:p>
-            <a:r>
-              <a:rPr lang="fr-FR" dirty="0"/>
-              <a:t>Le théorème du "No Free Lunch" </a:t>
-            </a:r>
-            <a:r>
-              <a:rPr lang="fr-FR" dirty="0" smtClean="0"/>
-              <a:t>est </a:t>
-            </a:r>
-            <a:r>
-              <a:rPr lang="fr-FR" dirty="0"/>
-              <a:t>la raison pour laquelle on va encore avoir besoin des data </a:t>
-            </a:r>
-            <a:r>
-              <a:rPr lang="fr-FR" dirty="0" err="1"/>
-              <a:t>scientists</a:t>
-            </a:r>
-            <a:r>
-              <a:rPr lang="fr-FR" dirty="0"/>
-              <a:t> pour un bon bout de temps </a:t>
-            </a:r>
-            <a:r>
-              <a:rPr lang="fr-FR" dirty="0" smtClean="0"/>
-              <a:t>!</a:t>
-            </a:r>
-            <a:endParaRPr lang="fr-FR" dirty="0"/>
-          </a:p>
-          <a:p>
-            <a:pPr lvl="1"/>
-            <a:r>
-              <a:rPr lang="fr-FR" dirty="0" smtClean="0"/>
-              <a:t>En </a:t>
-            </a:r>
-            <a:r>
-              <a:rPr lang="fr-FR" dirty="0"/>
-              <a:t>essence, ce théorème statue qu'aucun modèle et algorithme ne fonctionne bien pour tous les </a:t>
-            </a:r>
-            <a:r>
-              <a:rPr lang="fr-FR" dirty="0" smtClean="0"/>
-              <a:t>problèmes</a:t>
-            </a:r>
-          </a:p>
-          <a:p>
-            <a:pPr lvl="1"/>
-            <a:r>
-              <a:rPr lang="fr-FR" dirty="0" smtClean="0"/>
-              <a:t>En </a:t>
-            </a:r>
-            <a:r>
-              <a:rPr lang="fr-FR" dirty="0"/>
-              <a:t>d'autres termes, si un algorithme de machine </a:t>
-            </a:r>
-            <a:r>
-              <a:rPr lang="fr-FR" dirty="0" err="1"/>
-              <a:t>learning</a:t>
-            </a:r>
-            <a:r>
-              <a:rPr lang="fr-FR" dirty="0"/>
-              <a:t> fonctionne bien sur un type de problème particulier, ça veut dire qu'il le paiera ailleurs, et sera donc moins performant en moyenne sur le reste des problèmes. </a:t>
-            </a:r>
-          </a:p>
-          <a:p>
-            <a:pPr lvl="1"/>
-            <a:r>
-              <a:rPr lang="fr-FR" dirty="0" smtClean="0"/>
-              <a:t>.</a:t>
-            </a:r>
-            <a:endParaRPr lang="fr-FR" dirty="0"/>
-          </a:p>
-        </p:txBody>
-      </p:sp>
-    </p:spTree>
-    <p:extLst>
-      <p:ext uri="{BB962C8B-B14F-4D97-AF65-F5344CB8AC3E}">
-        <p14:creationId xmlns:p14="http://schemas.microsoft.com/office/powerpoint/2010/main" val="759516556"/>
-      </p:ext>
-    </p:extLst>
-  </p:cSld>
-  <p:clrMapOvr>
-    <a:masterClrMapping/>
-  </p:clrMapOvr>
-</p:sld>
-</file>
-
-<file path=ppt/slides/slide31.xml><?xml version="1.0" encoding="utf-8"?>
-<p:sld xmlns:a="http://schemas.openxmlformats.org/drawingml/2006/main" xmlns:r="http://schemas.openxmlformats.org/officeDocument/2006/relationships" xmlns:p="http://schemas.openxmlformats.org/presentationml/2006/main">
-  <p:cSld>
-    <p:spTree>
-      <p:nvGrpSpPr>
-        <p:cNvPr id="1" name=""/>
-        <p:cNvGrpSpPr/>
-        <p:nvPr/>
-      </p:nvGrpSpPr>
-      <p:grpSpPr>
-        <a:xfrm>
-          <a:off x="0" y="0"/>
-          <a:ext cx="0" cy="0"/>
-          <a:chOff x="0" y="0"/>
-          <a:chExt cx="0" cy="0"/>
-        </a:xfrm>
-      </p:grpSpPr>
-      <p:sp>
-        <p:nvSpPr>
-          <p:cNvPr id="2" name="Titre 1"/>
-          <p:cNvSpPr>
-            <a:spLocks noGrp="1"/>
-          </p:cNvSpPr>
-          <p:nvPr>
-            <p:ph type="title"/>
-          </p:nvPr>
-        </p:nvSpPr>
-        <p:spPr/>
-        <p:txBody>
-          <a:bodyPr/>
-          <a:lstStyle/>
-          <a:p>
-            <a:r>
-              <a:rPr lang="fr-FR" dirty="0" smtClean="0"/>
               <a:t>Choix du modèle</a:t>
             </a:r>
             <a:endParaRPr lang="fr-FR" dirty="0"/>
@@ -6641,7 +6518,7 @@
 </p:sld>
 </file>
 
-<file path=ppt/slides/slide32.xml><?xml version="1.0" encoding="utf-8"?>
+<file path=ppt/slides/slide31.xml><?xml version="1.0" encoding="utf-8"?>
 <p:sld xmlns:a="http://schemas.openxmlformats.org/drawingml/2006/main" xmlns:r="http://schemas.openxmlformats.org/officeDocument/2006/relationships" xmlns:p="http://schemas.openxmlformats.org/presentationml/2006/main">
   <p:cSld>
     <p:spTree>
@@ -6836,7 +6713,7 @@
 </p:sld>
 </file>
 
-<file path=ppt/slides/slide33.xml><?xml version="1.0" encoding="utf-8"?>
+<file path=ppt/slides/slide32.xml><?xml version="1.0" encoding="utf-8"?>
 <p:sld xmlns:a="http://schemas.openxmlformats.org/drawingml/2006/main" xmlns:r="http://schemas.openxmlformats.org/officeDocument/2006/relationships" xmlns:p="http://schemas.openxmlformats.org/presentationml/2006/main">
   <p:cSld>
     <p:spTree>
@@ -7028,7 +6905,7 @@
 </p:sld>
 </file>
 
-<file path=ppt/slides/slide34.xml><?xml version="1.0" encoding="utf-8"?>
+<file path=ppt/slides/slide33.xml><?xml version="1.0" encoding="utf-8"?>
 <p:sld xmlns:a="http://schemas.openxmlformats.org/drawingml/2006/main" xmlns:r="http://schemas.openxmlformats.org/officeDocument/2006/relationships" xmlns:p="http://schemas.openxmlformats.org/presentationml/2006/main">
   <p:cSld>
     <p:spTree>
@@ -7133,7 +7010,7 @@
 </p:sld>
 </file>
 
-<file path=ppt/slides/slide35.xml><?xml version="1.0" encoding="utf-8"?>
+<file path=ppt/slides/slide34.xml><?xml version="1.0" encoding="utf-8"?>
 <p:sld xmlns:a="http://schemas.openxmlformats.org/drawingml/2006/main" xmlns:r="http://schemas.openxmlformats.org/officeDocument/2006/relationships" xmlns:p="http://schemas.openxmlformats.org/presentationml/2006/main">
   <p:cSld>
     <p:spTree>
@@ -7276,7 +7153,7 @@
 </p:sld>
 </file>
 
-<file path=ppt/slides/slide36.xml><?xml version="1.0" encoding="utf-8"?>
+<file path=ppt/slides/slide35.xml><?xml version="1.0" encoding="utf-8"?>
 <p:sld xmlns:a="http://schemas.openxmlformats.org/drawingml/2006/main" xmlns:r="http://schemas.openxmlformats.org/officeDocument/2006/relationships" xmlns:p="http://schemas.openxmlformats.org/presentationml/2006/main">
   <p:cSld>
     <p:spTree>
@@ -7333,15 +7210,7 @@
           <a:p>
             <a:r>
               <a:rPr lang="fr-FR" dirty="0" smtClean="0"/>
-              <a:t>Une fois la </a:t>
-            </a:r>
-            <a:r>
-              <a:rPr lang="fr-FR" dirty="0" smtClean="0"/>
-              <a:t>régression </a:t>
-            </a:r>
-            <a:r>
-              <a:rPr lang="fr-FR" dirty="0" smtClean="0"/>
-              <a:t>calculée nous connaissons le modèle et son erreur</a:t>
+              <a:t>Une fois la régression calculée nous connaissons le modèle et son erreur</a:t>
             </a:r>
           </a:p>
           <a:p>
@@ -7414,7 +7283,7 @@
 </p:sld>
 </file>
 
-<file path=ppt/slides/slide37.xml><?xml version="1.0" encoding="utf-8"?>
+<file path=ppt/slides/slide36.xml><?xml version="1.0" encoding="utf-8"?>
 <p:sld xmlns:a="http://schemas.openxmlformats.org/drawingml/2006/main" xmlns:r="http://schemas.openxmlformats.org/officeDocument/2006/relationships" xmlns:p="http://schemas.openxmlformats.org/presentationml/2006/main">
   <p:cSld>
     <p:spTree>
@@ -7565,7 +7434,7 @@
 </p:sld>
 </file>
 
-<file path=ppt/slides/slide38.xml><?xml version="1.0" encoding="utf-8"?>
+<file path=ppt/slides/slide37.xml><?xml version="1.0" encoding="utf-8"?>
 <p:sld xmlns:a="http://schemas.openxmlformats.org/drawingml/2006/main" xmlns:r="http://schemas.openxmlformats.org/officeDocument/2006/relationships" xmlns:p="http://schemas.openxmlformats.org/presentationml/2006/main">
   <p:cSld>
     <p:spTree>
@@ -8107,162 +7976,6 @@
           <a:lstStyle/>
           <a:p>
             <a:r>
-              <a:rPr lang="fr-FR" dirty="0" smtClean="0"/>
-              <a:t>Apprentissage non </a:t>
-            </a:r>
-            <a:r>
-              <a:rPr lang="fr-FR" dirty="0" err="1" smtClean="0"/>
-              <a:t>superivsé</a:t>
-            </a:r>
-            <a:endParaRPr lang="fr-FR" dirty="0"/>
-          </a:p>
-        </p:txBody>
-      </p:sp>
-      <p:sp>
-        <p:nvSpPr>
-          <p:cNvPr id="3" name="Espace réservé du contenu 2"/>
-          <p:cNvSpPr>
-            <a:spLocks noGrp="1"/>
-          </p:cNvSpPr>
-          <p:nvPr>
-            <p:ph idx="1"/>
-          </p:nvPr>
-        </p:nvSpPr>
-        <p:spPr/>
-        <p:txBody>
-          <a:bodyPr/>
-          <a:lstStyle/>
-          <a:p>
-            <a:r>
-              <a:rPr lang="fr-FR" dirty="0" smtClean="0"/>
-              <a:t>En apprentissage non supervisé ou semi-supervisé on laisse la machine faire</a:t>
-            </a:r>
-          </a:p>
-          <a:p>
-            <a:pPr lvl="1"/>
-            <a:r>
-              <a:rPr lang="fr-FR" dirty="0" smtClean="0"/>
-              <a:t>L'algorithme </a:t>
-            </a:r>
-            <a:r>
-              <a:rPr lang="fr-FR" dirty="0"/>
-              <a:t>d'entraînement s'applique dans ce cas à trouver seul les similarités et distinctions au sein de ces données, et à regrouper ensemble celles qui partagent des caractéristiques </a:t>
-            </a:r>
-            <a:r>
-              <a:rPr lang="fr-FR" dirty="0" smtClean="0"/>
-              <a:t>communes</a:t>
-            </a:r>
-          </a:p>
-          <a:p>
-            <a:r>
-              <a:rPr lang="fr-FR" dirty="0" smtClean="0"/>
-              <a:t>Exemple Google Brain</a:t>
-            </a:r>
-          </a:p>
-          <a:p>
-            <a:pPr lvl="1"/>
-            <a:r>
-              <a:rPr lang="fr-FR" dirty="0" smtClean="0"/>
-              <a:t>Un visage humain</a:t>
-            </a:r>
-          </a:p>
-          <a:p>
-            <a:pPr lvl="1"/>
-            <a:r>
-              <a:rPr lang="fr-FR" dirty="0" smtClean="0"/>
-              <a:t>Un chat</a:t>
-            </a:r>
-            <a:endParaRPr lang="fr-FR" dirty="0"/>
-          </a:p>
-        </p:txBody>
-      </p:sp>
-      <p:pic>
-        <p:nvPicPr>
-          <p:cNvPr id="2050" name="Picture 2" descr="Cette image retranscrit la représentation interne des concepts de"/>
-          <p:cNvPicPr>
-            <a:picLocks noChangeAspect="1" noChangeArrowheads="1"/>
-          </p:cNvPicPr>
-          <p:nvPr/>
-        </p:nvPicPr>
-        <p:blipFill>
-          <a:blip r:embed="rId2">
-            <a:extLst>
-              <a:ext uri="{28A0092B-C50C-407E-A947-70E740481C1C}">
-                <a14:useLocalDpi xmlns:a14="http://schemas.microsoft.com/office/drawing/2010/main" val="0"/>
-              </a:ext>
-            </a:extLst>
-          </a:blip>
-          <a:srcRect/>
-          <a:stretch>
-            <a:fillRect/>
-          </a:stretch>
-        </p:blipFill>
-        <p:spPr bwMode="auto">
-          <a:xfrm>
-            <a:off x="3995936" y="4310226"/>
-            <a:ext cx="5141043" cy="2547774"/>
-          </a:xfrm>
-          <a:prstGeom prst="rect">
-            <a:avLst/>
-          </a:prstGeom>
-          <a:noFill/>
-          <a:extLst>
-            <a:ext uri="{909E8E84-426E-40DD-AFC4-6F175D3DCCD1}">
-              <a14:hiddenFill xmlns:a14="http://schemas.microsoft.com/office/drawing/2010/main">
-                <a:solidFill>
-                  <a:srgbClr val="FFFFFF"/>
-                </a:solidFill>
-              </a14:hiddenFill>
-            </a:ext>
-          </a:extLst>
-        </p:spPr>
-      </p:pic>
-    </p:spTree>
-    <p:extLst>
-      <p:ext uri="{BB962C8B-B14F-4D97-AF65-F5344CB8AC3E}">
-        <p14:creationId xmlns:p14="http://schemas.microsoft.com/office/powerpoint/2010/main" val="807641395"/>
-      </p:ext>
-    </p:extLst>
-  </p:cSld>
-  <p:clrMapOvr>
-    <a:masterClrMapping/>
-  </p:clrMapOvr>
-</p:sld>
-</file>
-
-<file path=ppt/slides/slide8.xml><?xml version="1.0" encoding="utf-8"?>
-<p:sld xmlns:a="http://schemas.openxmlformats.org/drawingml/2006/main" xmlns:r="http://schemas.openxmlformats.org/officeDocument/2006/relationships" xmlns:p="http://schemas.openxmlformats.org/presentationml/2006/main">
-  <p:cSld>
-    <p:spTree>
-      <p:nvGrpSpPr>
-        <p:cNvPr id="1" name=""/>
-        <p:cNvGrpSpPr/>
-        <p:nvPr/>
-      </p:nvGrpSpPr>
-      <p:grpSpPr>
-        <a:xfrm>
-          <a:off x="0" y="0"/>
-          <a:ext cx="0" cy="0"/>
-          <a:chOff x="0" y="0"/>
-          <a:chExt cx="0" cy="0"/>
-        </a:xfrm>
-      </p:grpSpPr>
-      <p:sp>
-        <p:nvSpPr>
-          <p:cNvPr id="2" name="Titre 1"/>
-          <p:cNvSpPr>
-            <a:spLocks noGrp="1"/>
-          </p:cNvSpPr>
-          <p:nvPr>
-            <p:ph type="title"/>
-          </p:nvPr>
-        </p:nvSpPr>
-        <p:spPr/>
-        <p:txBody>
-          <a:bodyPr/>
-          <a:lstStyle/>
-          <a:p>
-            <a:r>
               <a:rPr lang="fr-FR" dirty="0" err="1" smtClean="0"/>
               <a:t>Deep</a:t>
             </a:r>
@@ -8348,7 +8061,7 @@
 </p:sld>
 </file>
 
-<file path=ppt/slides/slide9.xml><?xml version="1.0" encoding="utf-8"?>
+<file path=ppt/slides/slide8.xml><?xml version="1.0" encoding="utf-8"?>
 <p:sld xmlns:a="http://schemas.openxmlformats.org/drawingml/2006/main" xmlns:r="http://schemas.openxmlformats.org/officeDocument/2006/relationships" xmlns:p="http://schemas.openxmlformats.org/presentationml/2006/main">
   <p:cSld>
     <p:spTree>
@@ -8435,6 +8148,128 @@
     <p:extLst>
       <p:ext uri="{BB962C8B-B14F-4D97-AF65-F5344CB8AC3E}">
         <p14:creationId xmlns:p14="http://schemas.microsoft.com/office/powerpoint/2010/main" val="4082789901"/>
+      </p:ext>
+    </p:extLst>
+  </p:cSld>
+  <p:clrMapOvr>
+    <a:masterClrMapping/>
+  </p:clrMapOvr>
+</p:sld>
+</file>
+
+<file path=ppt/slides/slide9.xml><?xml version="1.0" encoding="utf-8"?>
+<p:sld xmlns:a="http://schemas.openxmlformats.org/drawingml/2006/main" xmlns:r="http://schemas.openxmlformats.org/officeDocument/2006/relationships" xmlns:p="http://schemas.openxmlformats.org/presentationml/2006/main">
+  <p:cSld>
+    <p:spTree>
+      <p:nvGrpSpPr>
+        <p:cNvPr id="1" name=""/>
+        <p:cNvGrpSpPr/>
+        <p:nvPr/>
+      </p:nvGrpSpPr>
+      <p:grpSpPr>
+        <a:xfrm>
+          <a:off x="0" y="0"/>
+          <a:ext cx="0" cy="0"/>
+          <a:chOff x="0" y="0"/>
+          <a:chExt cx="0" cy="0"/>
+        </a:xfrm>
+      </p:grpSpPr>
+      <p:sp>
+        <p:nvSpPr>
+          <p:cNvPr id="2" name="Titre 1"/>
+          <p:cNvSpPr>
+            <a:spLocks noGrp="1"/>
+          </p:cNvSpPr>
+          <p:nvPr>
+            <p:ph type="title"/>
+          </p:nvPr>
+        </p:nvSpPr>
+        <p:spPr/>
+        <p:txBody>
+          <a:bodyPr/>
+          <a:lstStyle/>
+          <a:p>
+            <a:r>
+              <a:rPr lang="fr-FR" dirty="0" smtClean="0"/>
+              <a:t>1</a:t>
+            </a:r>
+            <a:r>
+              <a:rPr lang="fr-FR" baseline="30000" dirty="0" smtClean="0"/>
+              <a:t>ère</a:t>
+            </a:r>
+            <a:r>
+              <a:rPr lang="fr-FR" dirty="0" smtClean="0"/>
+              <a:t> étape</a:t>
+            </a:r>
+            <a:endParaRPr lang="fr-FR" dirty="0"/>
+          </a:p>
+        </p:txBody>
+      </p:sp>
+      <p:sp>
+        <p:nvSpPr>
+          <p:cNvPr id="3" name="Espace réservé du contenu 2"/>
+          <p:cNvSpPr>
+            <a:spLocks noGrp="1"/>
+          </p:cNvSpPr>
+          <p:nvPr>
+            <p:ph idx="1"/>
+          </p:nvPr>
+        </p:nvSpPr>
+        <p:spPr/>
+        <p:txBody>
+          <a:bodyPr/>
+          <a:lstStyle/>
+          <a:p>
+            <a:r>
+              <a:rPr lang="fr-FR" dirty="0" smtClean="0"/>
+              <a:t>Trouver les données</a:t>
+            </a:r>
+          </a:p>
+          <a:p>
+            <a:pPr lvl="1"/>
+            <a:r>
+              <a:rPr lang="fr-FR" dirty="0" smtClean="0"/>
+              <a:t>Mise à disposition d’un data </a:t>
+            </a:r>
+            <a:r>
+              <a:rPr lang="fr-FR" dirty="0" err="1" smtClean="0"/>
+              <a:t>lake</a:t>
+            </a:r>
+            <a:r>
+              <a:rPr lang="fr-FR" dirty="0" smtClean="0"/>
+              <a:t> ou d’un data </a:t>
+            </a:r>
+            <a:r>
+              <a:rPr lang="fr-FR" dirty="0" err="1" smtClean="0"/>
+              <a:t>mart</a:t>
+            </a:r>
+            <a:endParaRPr lang="fr-FR" dirty="0" smtClean="0"/>
+          </a:p>
+          <a:p>
+            <a:r>
+              <a:rPr lang="fr-FR" dirty="0" smtClean="0"/>
+              <a:t>Le jeu de donnée utilisé en machine </a:t>
+            </a:r>
+            <a:r>
+              <a:rPr lang="fr-FR" dirty="0" err="1" smtClean="0"/>
+              <a:t>learning</a:t>
+            </a:r>
+            <a:r>
+              <a:rPr lang="fr-FR" dirty="0" smtClean="0"/>
+              <a:t> s’appel le </a:t>
+            </a:r>
+            <a:r>
+              <a:rPr lang="fr-FR" dirty="0" err="1" smtClean="0"/>
+              <a:t>Dataset</a:t>
+            </a:r>
+            <a:endParaRPr lang="fr-FR" dirty="0" smtClean="0"/>
+          </a:p>
+        </p:txBody>
+      </p:sp>
+    </p:spTree>
+    <p:extLst>
+      <p:ext uri="{BB962C8B-B14F-4D97-AF65-F5344CB8AC3E}">
+        <p14:creationId xmlns:p14="http://schemas.microsoft.com/office/powerpoint/2010/main" val="1845482123"/>
       </p:ext>
     </p:extLst>
   </p:cSld>

--- a/ppt/R-12-MachineLearning.pptx
+++ b/ppt/R-12-MachineLearning.pptx
@@ -640,35 +640,35 @@
           <a:p>
             <a:pPr lvl="0"/>
             <a:r>
-              <a:rPr lang="fr-FR" noProof="0" smtClean="0"/>
+              <a:rPr lang="fr-FR" noProof="0"/>
               <a:t>Cliquez pour modifier les styles du texte du masque</a:t>
             </a:r>
           </a:p>
           <a:p>
             <a:pPr lvl="1"/>
             <a:r>
-              <a:rPr lang="fr-FR" noProof="0" smtClean="0"/>
+              <a:rPr lang="fr-FR" noProof="0"/>
               <a:t>Deuxième niveau</a:t>
             </a:r>
           </a:p>
           <a:p>
             <a:pPr lvl="2"/>
             <a:r>
-              <a:rPr lang="fr-FR" noProof="0" smtClean="0"/>
+              <a:rPr lang="fr-FR" noProof="0"/>
               <a:t>Troisième niveau</a:t>
             </a:r>
           </a:p>
           <a:p>
             <a:pPr lvl="3"/>
             <a:r>
-              <a:rPr lang="fr-FR" noProof="0" smtClean="0"/>
+              <a:rPr lang="fr-FR" noProof="0"/>
               <a:t>Quatrième niveau</a:t>
             </a:r>
           </a:p>
           <a:p>
             <a:pPr lvl="4"/>
             <a:r>
-              <a:rPr lang="fr-FR" noProof="0" smtClean="0"/>
+              <a:rPr lang="fr-FR" noProof="0"/>
               <a:t>Cinquième niveau</a:t>
             </a:r>
           </a:p>
@@ -956,10 +956,9 @@
           <a:lstStyle/>
           <a:p>
             <a:r>
-              <a:rPr lang="fr-FR" smtClean="0"/>
+              <a:rPr lang="fr-FR"/>
               <a:t>Cliquez pour modifier le style du titre</a:t>
             </a:r>
-            <a:endParaRPr lang="fr-FR"/>
           </a:p>
         </p:txBody>
       </p:sp>
@@ -1021,10 +1020,9 @@
           </a:lstStyle>
           <a:p>
             <a:r>
-              <a:rPr lang="fr-FR" smtClean="0"/>
+              <a:rPr lang="fr-FR"/>
               <a:t>Cliquez pour modifier le style des sous-titres du masque</a:t>
             </a:r>
-            <a:endParaRPr lang="fr-FR"/>
           </a:p>
         </p:txBody>
       </p:sp>
@@ -1079,10 +1077,9 @@
           <a:lstStyle/>
           <a:p>
             <a:r>
-              <a:rPr lang="fr-FR" smtClean="0"/>
+              <a:rPr lang="fr-FR"/>
               <a:t>Cliquez pour modifier le style du titre</a:t>
             </a:r>
-            <a:endParaRPr lang="fr-FR"/>
           </a:p>
         </p:txBody>
       </p:sp>
@@ -1108,38 +1105,37 @@
           <a:p>
             <a:pPr lvl="0"/>
             <a:r>
-              <a:rPr lang="fr-FR" smtClean="0"/>
+              <a:rPr lang="fr-FR"/>
               <a:t>Cliquez pour modifier les styles du texte du masque</a:t>
             </a:r>
           </a:p>
           <a:p>
             <a:pPr lvl="1"/>
             <a:r>
-              <a:rPr lang="fr-FR" smtClean="0"/>
+              <a:rPr lang="fr-FR"/>
               <a:t>Deuxième niveau</a:t>
             </a:r>
           </a:p>
           <a:p>
             <a:pPr lvl="2"/>
             <a:r>
-              <a:rPr lang="fr-FR" smtClean="0"/>
+              <a:rPr lang="fr-FR"/>
               <a:t>Troisième niveau</a:t>
             </a:r>
           </a:p>
           <a:p>
             <a:pPr lvl="3"/>
             <a:r>
-              <a:rPr lang="fr-FR" smtClean="0"/>
+              <a:rPr lang="fr-FR"/>
               <a:t>Quatrième niveau</a:t>
             </a:r>
           </a:p>
           <a:p>
             <a:pPr lvl="4"/>
             <a:r>
-              <a:rPr lang="fr-FR" smtClean="0"/>
+              <a:rPr lang="fr-FR"/>
               <a:t>Cinquième niveau</a:t>
             </a:r>
-            <a:endParaRPr lang="fr-FR"/>
           </a:p>
         </p:txBody>
       </p:sp>
@@ -1198,10 +1194,9 @@
           </a:lstStyle>
           <a:p>
             <a:r>
-              <a:rPr lang="fr-FR" dirty="0" smtClean="0"/>
+              <a:rPr lang="fr-FR" dirty="0"/>
               <a:t>Cliquez pour modifier le style du titre</a:t>
             </a:r>
-            <a:endParaRPr lang="fr-FR" dirty="0"/>
           </a:p>
         </p:txBody>
       </p:sp>
@@ -1227,38 +1222,37 @@
           <a:p>
             <a:pPr lvl="0"/>
             <a:r>
-              <a:rPr lang="fr-FR" dirty="0" smtClean="0"/>
+              <a:rPr lang="fr-FR" dirty="0"/>
               <a:t>Cliquez pour modifier les styles du texte du masque</a:t>
             </a:r>
           </a:p>
           <a:p>
             <a:pPr lvl="1"/>
             <a:r>
-              <a:rPr lang="fr-FR" dirty="0" smtClean="0"/>
+              <a:rPr lang="fr-FR" dirty="0"/>
               <a:t>Deuxième niveau</a:t>
             </a:r>
           </a:p>
           <a:p>
             <a:pPr lvl="2"/>
             <a:r>
-              <a:rPr lang="fr-FR" dirty="0" smtClean="0"/>
+              <a:rPr lang="fr-FR" dirty="0"/>
               <a:t>Troisième niveau</a:t>
             </a:r>
           </a:p>
           <a:p>
             <a:pPr lvl="3"/>
             <a:r>
-              <a:rPr lang="fr-FR" dirty="0" smtClean="0"/>
+              <a:rPr lang="fr-FR" dirty="0"/>
               <a:t>Quatrième niveau</a:t>
             </a:r>
           </a:p>
           <a:p>
             <a:pPr lvl="4"/>
             <a:r>
-              <a:rPr lang="fr-FR" dirty="0" smtClean="0"/>
+              <a:rPr lang="fr-FR" dirty="0"/>
               <a:t>Cinquième niveau</a:t>
             </a:r>
-            <a:endParaRPr lang="fr-FR" dirty="0"/>
           </a:p>
         </p:txBody>
       </p:sp>
@@ -1308,10 +1302,9 @@
           <a:lstStyle/>
           <a:p>
             <a:r>
-              <a:rPr lang="fr-FR" smtClean="0"/>
+              <a:rPr lang="fr-FR"/>
               <a:t>Cliquez pour modifier le style du titre</a:t>
             </a:r>
-            <a:endParaRPr lang="fr-FR"/>
           </a:p>
         </p:txBody>
       </p:sp>
@@ -1365,38 +1358,37 @@
           <a:p>
             <a:pPr lvl="0"/>
             <a:r>
-              <a:rPr lang="fr-FR" smtClean="0"/>
+              <a:rPr lang="fr-FR"/>
               <a:t>Cliquez pour modifier les styles du texte du masque</a:t>
             </a:r>
           </a:p>
           <a:p>
             <a:pPr lvl="1"/>
             <a:r>
-              <a:rPr lang="fr-FR" smtClean="0"/>
+              <a:rPr lang="fr-FR"/>
               <a:t>Deuxième niveau</a:t>
             </a:r>
           </a:p>
           <a:p>
             <a:pPr lvl="2"/>
             <a:r>
-              <a:rPr lang="fr-FR" smtClean="0"/>
+              <a:rPr lang="fr-FR"/>
               <a:t>Troisième niveau</a:t>
             </a:r>
           </a:p>
           <a:p>
             <a:pPr lvl="3"/>
             <a:r>
-              <a:rPr lang="fr-FR" smtClean="0"/>
+              <a:rPr lang="fr-FR"/>
               <a:t>Quatrième niveau</a:t>
             </a:r>
           </a:p>
           <a:p>
             <a:pPr lvl="4"/>
             <a:r>
-              <a:rPr lang="fr-FR" smtClean="0"/>
+              <a:rPr lang="fr-FR"/>
               <a:t>Cinquième niveau</a:t>
             </a:r>
-            <a:endParaRPr lang="fr-FR"/>
           </a:p>
         </p:txBody>
       </p:sp>
@@ -1450,38 +1442,37 @@
           <a:p>
             <a:pPr lvl="0"/>
             <a:r>
-              <a:rPr lang="fr-FR" smtClean="0"/>
+              <a:rPr lang="fr-FR"/>
               <a:t>Cliquez pour modifier les styles du texte du masque</a:t>
             </a:r>
           </a:p>
           <a:p>
             <a:pPr lvl="1"/>
             <a:r>
-              <a:rPr lang="fr-FR" smtClean="0"/>
+              <a:rPr lang="fr-FR"/>
               <a:t>Deuxième niveau</a:t>
             </a:r>
           </a:p>
           <a:p>
             <a:pPr lvl="2"/>
             <a:r>
-              <a:rPr lang="fr-FR" smtClean="0"/>
+              <a:rPr lang="fr-FR"/>
               <a:t>Troisième niveau</a:t>
             </a:r>
           </a:p>
           <a:p>
             <a:pPr lvl="3"/>
             <a:r>
-              <a:rPr lang="fr-FR" smtClean="0"/>
+              <a:rPr lang="fr-FR"/>
               <a:t>Quatrième niveau</a:t>
             </a:r>
           </a:p>
           <a:p>
             <a:pPr lvl="4"/>
             <a:r>
-              <a:rPr lang="fr-FR" smtClean="0"/>
+              <a:rPr lang="fr-FR"/>
               <a:t>Cinquième niveau</a:t>
             </a:r>
-            <a:endParaRPr lang="fr-FR"/>
           </a:p>
         </p:txBody>
       </p:sp>
@@ -1540,10 +1531,9 @@
           </a:lstStyle>
           <a:p>
             <a:r>
-              <a:rPr lang="fr-FR" smtClean="0"/>
+              <a:rPr lang="fr-FR"/>
               <a:t>Cliquez pour modifier le style du titre</a:t>
             </a:r>
-            <a:endParaRPr lang="fr-FR"/>
           </a:p>
         </p:txBody>
       </p:sp>
@@ -1606,7 +1596,7 @@
           <a:p>
             <a:pPr lvl="0"/>
             <a:r>
-              <a:rPr lang="fr-FR" smtClean="0"/>
+              <a:rPr lang="fr-FR"/>
               <a:t>Cliquez pour modifier les styles du texte du masque</a:t>
             </a:r>
           </a:p>
@@ -1662,38 +1652,37 @@
           <a:p>
             <a:pPr lvl="0"/>
             <a:r>
-              <a:rPr lang="fr-FR" smtClean="0"/>
+              <a:rPr lang="fr-FR"/>
               <a:t>Cliquez pour modifier les styles du texte du masque</a:t>
             </a:r>
           </a:p>
           <a:p>
             <a:pPr lvl="1"/>
             <a:r>
-              <a:rPr lang="fr-FR" smtClean="0"/>
+              <a:rPr lang="fr-FR"/>
               <a:t>Deuxième niveau</a:t>
             </a:r>
           </a:p>
           <a:p>
             <a:pPr lvl="2"/>
             <a:r>
-              <a:rPr lang="fr-FR" smtClean="0"/>
+              <a:rPr lang="fr-FR"/>
               <a:t>Troisième niveau</a:t>
             </a:r>
           </a:p>
           <a:p>
             <a:pPr lvl="3"/>
             <a:r>
-              <a:rPr lang="fr-FR" smtClean="0"/>
+              <a:rPr lang="fr-FR"/>
               <a:t>Quatrième niveau</a:t>
             </a:r>
           </a:p>
           <a:p>
             <a:pPr lvl="4"/>
             <a:r>
-              <a:rPr lang="fr-FR" smtClean="0"/>
+              <a:rPr lang="fr-FR"/>
               <a:t>Cinquième niveau</a:t>
             </a:r>
-            <a:endParaRPr lang="fr-FR"/>
           </a:p>
         </p:txBody>
       </p:sp>
@@ -1756,7 +1745,7 @@
           <a:p>
             <a:pPr lvl="0"/>
             <a:r>
-              <a:rPr lang="fr-FR" smtClean="0"/>
+              <a:rPr lang="fr-FR"/>
               <a:t>Cliquez pour modifier les styles du texte du masque</a:t>
             </a:r>
           </a:p>
@@ -1812,38 +1801,37 @@
           <a:p>
             <a:pPr lvl="0"/>
             <a:r>
-              <a:rPr lang="fr-FR" smtClean="0"/>
+              <a:rPr lang="fr-FR"/>
               <a:t>Cliquez pour modifier les styles du texte du masque</a:t>
             </a:r>
           </a:p>
           <a:p>
             <a:pPr lvl="1"/>
             <a:r>
-              <a:rPr lang="fr-FR" smtClean="0"/>
+              <a:rPr lang="fr-FR"/>
               <a:t>Deuxième niveau</a:t>
             </a:r>
           </a:p>
           <a:p>
             <a:pPr lvl="2"/>
             <a:r>
-              <a:rPr lang="fr-FR" smtClean="0"/>
+              <a:rPr lang="fr-FR"/>
               <a:t>Troisième niveau</a:t>
             </a:r>
           </a:p>
           <a:p>
             <a:pPr lvl="3"/>
             <a:r>
-              <a:rPr lang="fr-FR" smtClean="0"/>
+              <a:rPr lang="fr-FR"/>
               <a:t>Quatrième niveau</a:t>
             </a:r>
           </a:p>
           <a:p>
             <a:pPr lvl="4"/>
             <a:r>
-              <a:rPr lang="fr-FR" smtClean="0"/>
+              <a:rPr lang="fr-FR"/>
               <a:t>Cinquième niveau</a:t>
             </a:r>
-            <a:endParaRPr lang="fr-FR"/>
           </a:p>
         </p:txBody>
       </p:sp>
@@ -1893,10 +1881,9 @@
           <a:lstStyle/>
           <a:p>
             <a:r>
-              <a:rPr lang="fr-FR" smtClean="0"/>
+              <a:rPr lang="fr-FR"/>
               <a:t>Cliquez pour modifier le style du titre</a:t>
             </a:r>
-            <a:endParaRPr lang="fr-FR"/>
           </a:p>
         </p:txBody>
       </p:sp>
@@ -1985,10 +1972,9 @@
           </a:lstStyle>
           <a:p>
             <a:r>
-              <a:rPr lang="fr-FR" smtClean="0"/>
+              <a:rPr lang="fr-FR"/>
               <a:t>Cliquez pour modifier le style du titre</a:t>
             </a:r>
-            <a:endParaRPr lang="fr-FR"/>
           </a:p>
         </p:txBody>
       </p:sp>
@@ -2042,38 +2028,37 @@
           <a:p>
             <a:pPr lvl="0"/>
             <a:r>
-              <a:rPr lang="fr-FR" smtClean="0"/>
+              <a:rPr lang="fr-FR"/>
               <a:t>Cliquez pour modifier les styles du texte du masque</a:t>
             </a:r>
           </a:p>
           <a:p>
             <a:pPr lvl="1"/>
             <a:r>
-              <a:rPr lang="fr-FR" smtClean="0"/>
+              <a:rPr lang="fr-FR"/>
               <a:t>Deuxième niveau</a:t>
             </a:r>
           </a:p>
           <a:p>
             <a:pPr lvl="2"/>
             <a:r>
-              <a:rPr lang="fr-FR" smtClean="0"/>
+              <a:rPr lang="fr-FR"/>
               <a:t>Troisième niveau</a:t>
             </a:r>
           </a:p>
           <a:p>
             <a:pPr lvl="3"/>
             <a:r>
-              <a:rPr lang="fr-FR" smtClean="0"/>
+              <a:rPr lang="fr-FR"/>
               <a:t>Quatrième niveau</a:t>
             </a:r>
           </a:p>
           <a:p>
             <a:pPr lvl="4"/>
             <a:r>
-              <a:rPr lang="fr-FR" smtClean="0"/>
+              <a:rPr lang="fr-FR"/>
               <a:t>Cinquième niveau</a:t>
             </a:r>
-            <a:endParaRPr lang="fr-FR"/>
           </a:p>
         </p:txBody>
       </p:sp>
@@ -2136,7 +2121,7 @@
           <a:p>
             <a:pPr lvl="0"/>
             <a:r>
-              <a:rPr lang="fr-FR" smtClean="0"/>
+              <a:rPr lang="fr-FR"/>
               <a:t>Cliquez pour modifier les styles du texte du masque</a:t>
             </a:r>
           </a:p>
@@ -2197,10 +2182,9 @@
           </a:lstStyle>
           <a:p>
             <a:r>
-              <a:rPr lang="fr-FR" smtClean="0"/>
+              <a:rPr lang="fr-FR"/>
               <a:t>Cliquez pour modifier le style du titre</a:t>
             </a:r>
-            <a:endParaRPr lang="fr-FR"/>
           </a:p>
         </p:txBody>
       </p:sp>
@@ -2262,7 +2246,7 @@
           </a:lstStyle>
           <a:p>
             <a:pPr lvl="0"/>
-            <a:endParaRPr lang="fr-FR" noProof="0" smtClean="0"/>
+            <a:endParaRPr lang="fr-FR" noProof="0"/>
           </a:p>
         </p:txBody>
       </p:sp>
@@ -2325,7 +2309,7 @@
           <a:p>
             <a:pPr lvl="0"/>
             <a:r>
-              <a:rPr lang="fr-FR" smtClean="0"/>
+              <a:rPr lang="fr-FR"/>
               <a:t>Cliquez pour modifier les styles du texte du masque</a:t>
             </a:r>
           </a:p>
@@ -2377,10 +2361,9 @@
           <a:lstStyle/>
           <a:p>
             <a:r>
-              <a:rPr lang="fr-FR" smtClean="0"/>
+              <a:rPr lang="fr-FR"/>
               <a:t>Cliquez pour modifier le style du titre</a:t>
             </a:r>
-            <a:endParaRPr lang="fr-FR"/>
           </a:p>
         </p:txBody>
       </p:sp>
@@ -2401,38 +2384,37 @@
           <a:p>
             <a:pPr lvl="0"/>
             <a:r>
-              <a:rPr lang="fr-FR" smtClean="0"/>
+              <a:rPr lang="fr-FR"/>
               <a:t>Cliquez pour modifier les styles du texte du masque</a:t>
             </a:r>
           </a:p>
           <a:p>
             <a:pPr lvl="1"/>
             <a:r>
-              <a:rPr lang="fr-FR" smtClean="0"/>
+              <a:rPr lang="fr-FR"/>
               <a:t>Deuxième niveau</a:t>
             </a:r>
           </a:p>
           <a:p>
             <a:pPr lvl="2"/>
             <a:r>
-              <a:rPr lang="fr-FR" smtClean="0"/>
+              <a:rPr lang="fr-FR"/>
               <a:t>Troisième niveau</a:t>
             </a:r>
           </a:p>
           <a:p>
             <a:pPr lvl="3"/>
             <a:r>
-              <a:rPr lang="fr-FR" smtClean="0"/>
+              <a:rPr lang="fr-FR"/>
               <a:t>Quatrième niveau</a:t>
             </a:r>
           </a:p>
           <a:p>
             <a:pPr lvl="4"/>
             <a:r>
-              <a:rPr lang="fr-FR" smtClean="0"/>
+              <a:rPr lang="fr-FR"/>
               <a:t>Cinquième niveau</a:t>
             </a:r>
-            <a:endParaRPr lang="fr-FR"/>
           </a:p>
         </p:txBody>
       </p:sp>
@@ -2613,7 +2595,7 @@
             <a:pPr eaLnBrk="1" hangingPunct="1">
               <a:defRPr/>
             </a:pPr>
-            <a:endParaRPr lang="fr-FR" altLang="fr-FR" smtClean="0"/>
+            <a:endParaRPr lang="fr-FR" altLang="fr-FR"/>
           </a:p>
         </p:txBody>
       </p:sp>
@@ -2767,7 +2749,7 @@
               <a:defRPr/>
             </a:pPr>
             <a:r>
-              <a:rPr lang="fr-FR" sz="1200" dirty="0" smtClean="0"/>
+              <a:rPr lang="fr-FR" sz="1200" dirty="0"/>
               <a:t>Page </a:t>
             </a:r>
             <a:fld id="{E218E9B1-FD08-4C80-902E-210BA2967D0D}" type="slidenum">
@@ -2780,7 +2762,7 @@
               </a:pPr>
               <a:t>‹N°›</a:t>
             </a:fld>
-            <a:endParaRPr lang="fr-FR" dirty="0" smtClean="0">
+            <a:endParaRPr lang="fr-FR" dirty="0">
               <a:latin typeface="Times New Roman" pitchFamily="18" charset="0"/>
             </a:endParaRPr>
           </a:p>
@@ -2936,10 +2918,10 @@
               <a:defRPr/>
             </a:pPr>
             <a:r>
-              <a:rPr lang="fr-FR" sz="1600" dirty="0" smtClean="0"/>
+              <a:rPr lang="fr-FR" sz="1600" dirty="0"/>
               <a:t>R</a:t>
             </a:r>
-            <a:endParaRPr lang="fr-FR" dirty="0" smtClean="0">
+            <a:endParaRPr lang="fr-FR" dirty="0">
               <a:latin typeface="Times New Roman" pitchFamily="18" charset="0"/>
             </a:endParaRPr>
           </a:p>
@@ -2997,7 +2979,7 @@
           <a:p>
             <a:pPr lvl="0"/>
             <a:r>
-              <a:rPr lang="fr-FR" altLang="fr-FR" smtClean="0"/>
+              <a:rPr lang="fr-FR" altLang="fr-FR"/>
               <a:t>Cliquez pour modifier le style du titre du masque</a:t>
             </a:r>
           </a:p>
@@ -3055,35 +3037,35 @@
           <a:p>
             <a:pPr lvl="0"/>
             <a:r>
-              <a:rPr lang="fr-FR" altLang="fr-FR" smtClean="0"/>
+              <a:rPr lang="fr-FR" altLang="fr-FR"/>
               <a:t>Cliquez pour modifier les styles du texte du masque</a:t>
             </a:r>
           </a:p>
           <a:p>
             <a:pPr lvl="1"/>
             <a:r>
-              <a:rPr lang="fr-FR" altLang="fr-FR" smtClean="0"/>
+              <a:rPr lang="fr-FR" altLang="fr-FR"/>
               <a:t>Deuxième niveau</a:t>
             </a:r>
           </a:p>
           <a:p>
             <a:pPr lvl="2"/>
             <a:r>
-              <a:rPr lang="fr-FR" altLang="fr-FR" smtClean="0"/>
+              <a:rPr lang="fr-FR" altLang="fr-FR"/>
               <a:t>Troisième niveau</a:t>
             </a:r>
           </a:p>
           <a:p>
             <a:pPr lvl="3"/>
             <a:r>
-              <a:rPr lang="fr-FR" altLang="fr-FR" smtClean="0"/>
+              <a:rPr lang="fr-FR" altLang="fr-FR"/>
               <a:t>Quatrième niveau</a:t>
             </a:r>
           </a:p>
           <a:p>
             <a:pPr lvl="4"/>
             <a:r>
-              <a:rPr lang="fr-FR" altLang="fr-FR" smtClean="0"/>
+              <a:rPr lang="fr-FR" altLang="fr-FR"/>
               <a:t>Cinquième niveau</a:t>
             </a:r>
           </a:p>
@@ -3239,10 +3221,10 @@
               <a:defRPr/>
             </a:pPr>
             <a:r>
-              <a:rPr lang="fr-FR" sz="1200" smtClean="0"/>
+              <a:rPr lang="fr-FR" sz="1200"/>
               <a:t>© Cyril Vincent Conseil</a:t>
             </a:r>
-            <a:endParaRPr lang="fr-FR" smtClean="0">
+            <a:endParaRPr lang="fr-FR">
               <a:latin typeface="Times New Roman" pitchFamily="18" charset="0"/>
             </a:endParaRPr>
           </a:p>
@@ -3724,21 +3706,21 @@
           <a:p>
             <a:pPr eaLnBrk="1" hangingPunct="1"/>
             <a:r>
-              <a:rPr lang="fr-FR" altLang="fr-FR" dirty="0" smtClean="0"/>
+              <a:rPr lang="fr-FR" altLang="fr-FR" dirty="0"/>
               <a:t>Chapitre 12</a:t>
             </a:r>
           </a:p>
           <a:p>
             <a:pPr eaLnBrk="1" hangingPunct="1"/>
             <a:r>
-              <a:rPr lang="fr-FR" altLang="fr-FR" dirty="0" smtClean="0"/>
+              <a:rPr lang="fr-FR" altLang="fr-FR" dirty="0"/>
               <a:t>Machine Learning</a:t>
             </a:r>
           </a:p>
           <a:p>
             <a:pPr eaLnBrk="1" hangingPunct="1"/>
             <a:r>
-              <a:rPr lang="fr-FR" altLang="fr-FR" dirty="0" smtClean="0"/>
+              <a:rPr lang="fr-FR" altLang="fr-FR" dirty="0"/>
               <a:t>www.CyrilVincent.com</a:t>
             </a:r>
           </a:p>
@@ -3790,13 +3772,6 @@
   <p:clrMapOvr>
     <a:masterClrMapping/>
   </p:clrMapOvr>
-  <p:timing>
-    <p:tnLst>
-      <p:par>
-        <p:cTn id="1" dur="indefinite" restart="never" nodeType="tmRoot"/>
-      </p:par>
-    </p:tnLst>
-  </p:timing>
 </p:sld>
 </file>
 
@@ -3833,10 +3808,9 @@
           <a:lstStyle/>
           <a:p>
             <a:r>
-              <a:rPr lang="fr-FR" dirty="0" smtClean="0"/>
+              <a:rPr lang="fr-FR" dirty="0"/>
               <a:t>But</a:t>
             </a:r>
-            <a:endParaRPr lang="fr-FR" dirty="0"/>
           </a:p>
         </p:txBody>
       </p:sp>
@@ -3865,39 +3839,19 @@
             </a:r>
             <a:r>
               <a:rPr lang="fr-FR" dirty="0"/>
-              <a:t> et en data science plus généralement, l'objectif est de trouver un modèle </a:t>
-            </a:r>
-            <a:r>
-              <a:rPr lang="fr-FR" dirty="0" smtClean="0"/>
-              <a:t>du </a:t>
-            </a:r>
-            <a:r>
-              <a:rPr lang="fr-FR" dirty="0"/>
-              <a:t>phénomène à l'origine des </a:t>
-            </a:r>
-            <a:r>
-              <a:rPr lang="fr-FR" dirty="0" smtClean="0"/>
-              <a:t>données</a:t>
-            </a:r>
-          </a:p>
-          <a:p>
-            <a:r>
-              <a:rPr lang="fr-FR" dirty="0" smtClean="0"/>
-              <a:t>C'est </a:t>
-            </a:r>
-            <a:r>
-              <a:rPr lang="fr-FR" dirty="0"/>
-              <a:t>à dire qu'on considère que chaque donnée observée est l'expression d'une variable aléatoire générée par une distribution de </a:t>
-            </a:r>
-            <a:r>
-              <a:rPr lang="fr-FR" dirty="0" smtClean="0"/>
-              <a:t>probabilité</a:t>
+              <a:t> et en data science plus généralement, l'objectif est de trouver un modèle du phénomène à l'origine des données</a:t>
+            </a:r>
+          </a:p>
+          <a:p>
+            <a:r>
+              <a:rPr lang="fr-FR" dirty="0"/>
+              <a:t>C'est à dire qu'on considère que chaque donnée observée est l'expression d'une variable aléatoire générée par une distribution de probabilité</a:t>
             </a:r>
           </a:p>
           <a:p>
             <a:pPr lvl="1"/>
             <a:r>
-              <a:rPr lang="fr-FR" smtClean="0"/>
+              <a:rPr lang="fr-FR"/>
               <a:t>Par exemple les sondages</a:t>
             </a:r>
             <a:endParaRPr lang="fr-FR" dirty="0"/>
@@ -3950,10 +3904,9 @@
           <a:lstStyle/>
           <a:p>
             <a:r>
-              <a:rPr lang="fr-FR" dirty="0" smtClean="0"/>
+              <a:rPr lang="fr-FR" dirty="0"/>
               <a:t>Exemple</a:t>
             </a:r>
-            <a:endParaRPr lang="fr-FR" dirty="0"/>
           </a:p>
         </p:txBody>
       </p:sp>
@@ -3973,26 +3926,14 @@
           <a:lstStyle/>
           <a:p>
             <a:r>
-              <a:rPr lang="fr-FR" dirty="0" smtClean="0"/>
-              <a:t>Imaginez </a:t>
-            </a:r>
-            <a:r>
-              <a:rPr lang="fr-FR" dirty="0"/>
-              <a:t>que vous voulez savoir si vous payez trop cher votre </a:t>
-            </a:r>
-            <a:r>
-              <a:rPr lang="fr-FR" dirty="0" smtClean="0"/>
-              <a:t>loyer</a:t>
-            </a:r>
-          </a:p>
-          <a:p>
-            <a:r>
-              <a:rPr lang="fr-FR" dirty="0" smtClean="0"/>
-              <a:t>Vous </a:t>
-            </a:r>
-            <a:r>
-              <a:rPr lang="fr-FR" dirty="0"/>
-              <a:t>avez récupéré sur un site de location une trentaine de prix des locations disponibles, ainsi que la surface associée</a:t>
+              <a:rPr lang="fr-FR" dirty="0"/>
+              <a:t>Imaginez que vous voulez savoir si vous payez trop cher votre loyer</a:t>
+            </a:r>
+          </a:p>
+          <a:p>
+            <a:r>
+              <a:rPr lang="fr-FR" dirty="0"/>
+              <a:t>Vous avez récupéré sur un site de location une trentaine de prix des locations disponibles, ainsi que la surface associée</a:t>
             </a:r>
           </a:p>
         </p:txBody>
@@ -4067,10 +4008,9 @@
           <a:lstStyle/>
           <a:p>
             <a:r>
-              <a:rPr lang="fr-FR" dirty="0" smtClean="0"/>
+              <a:rPr lang="fr-FR" dirty="0"/>
               <a:t>Graphique</a:t>
             </a:r>
-            <a:endParaRPr lang="fr-FR" dirty="0"/>
           </a:p>
         </p:txBody>
       </p:sp>
@@ -4090,10 +4030,9 @@
           <a:lstStyle/>
           <a:p>
             <a:r>
-              <a:rPr lang="fr-FR" dirty="0" smtClean="0"/>
+              <a:rPr lang="fr-FR" dirty="0"/>
               <a:t>Surface / Loyer</a:t>
             </a:r>
-            <a:endParaRPr lang="fr-FR" dirty="0"/>
           </a:p>
         </p:txBody>
       </p:sp>
@@ -4184,10 +4123,9 @@
           <a:lstStyle/>
           <a:p>
             <a:r>
-              <a:rPr lang="fr-FR" dirty="0" smtClean="0"/>
+              <a:rPr lang="fr-FR" dirty="0"/>
               <a:t>Régression linéaire</a:t>
             </a:r>
-            <a:endParaRPr lang="fr-FR" dirty="0"/>
           </a:p>
         </p:txBody>
       </p:sp>
@@ -4207,7 +4145,7 @@
           <a:lstStyle/>
           <a:p>
             <a:r>
-              <a:rPr lang="fr-FR" dirty="0" smtClean="0"/>
+              <a:rPr lang="fr-FR" dirty="0"/>
               <a:t>Notre exemple montre une régression linéaire</a:t>
             </a:r>
           </a:p>
@@ -4303,10 +4241,9 @@
           <a:lstStyle/>
           <a:p>
             <a:r>
-              <a:rPr lang="fr-FR" dirty="0" smtClean="0"/>
+              <a:rPr lang="fr-FR" dirty="0"/>
               <a:t>Classification</a:t>
             </a:r>
-            <a:endParaRPr lang="fr-FR" dirty="0"/>
           </a:p>
         </p:txBody>
       </p:sp>
@@ -4335,51 +4272,27 @@
             </a:r>
             <a:r>
               <a:rPr lang="fr-FR" dirty="0"/>
-              <a:t> est le type de sortie que l'on attend de notre </a:t>
-            </a:r>
-            <a:r>
-              <a:rPr lang="fr-FR" dirty="0" smtClean="0"/>
-              <a:t>programme</a:t>
+              <a:t> est le type de sortie que l'on attend de notre programme</a:t>
             </a:r>
           </a:p>
           <a:p>
             <a:pPr lvl="1"/>
             <a:r>
-              <a:rPr lang="fr-FR" dirty="0" smtClean="0"/>
-              <a:t>Est-ce </a:t>
-            </a:r>
-            <a:r>
-              <a:rPr lang="fr-FR" dirty="0"/>
-              <a:t>une valeur continue (un </a:t>
-            </a:r>
-            <a:r>
-              <a:rPr lang="fr-FR" dirty="0" smtClean="0"/>
-              <a:t>nombre)</a:t>
+              <a:rPr lang="fr-FR" dirty="0"/>
+              <a:t>Est-ce une valeur continue (un nombre)</a:t>
             </a:r>
           </a:p>
           <a:p>
             <a:pPr lvl="1"/>
             <a:r>
-              <a:rPr lang="fr-FR" dirty="0" smtClean="0"/>
-              <a:t>ou </a:t>
-            </a:r>
-            <a:r>
-              <a:rPr lang="fr-FR" dirty="0"/>
-              <a:t>bien une valeur discrète (une catégorie) </a:t>
-            </a:r>
-            <a:r>
-              <a:rPr lang="fr-FR" dirty="0" smtClean="0"/>
-              <a:t>?</a:t>
-            </a:r>
-          </a:p>
-          <a:p>
-            <a:r>
-              <a:rPr lang="fr-FR" dirty="0" smtClean="0"/>
-              <a:t>Le </a:t>
-            </a:r>
-            <a:r>
-              <a:rPr lang="fr-FR" dirty="0"/>
-              <a:t>premier cas est appelé une régression, le second une classification</a:t>
+              <a:rPr lang="fr-FR" dirty="0"/>
+              <a:t>ou bien une valeur discrète (une catégorie) ?</a:t>
+            </a:r>
+          </a:p>
+          <a:p>
+            <a:r>
+              <a:rPr lang="fr-FR" dirty="0"/>
+              <a:t>Le premier cas est appelé une régression, le second une classification</a:t>
             </a:r>
           </a:p>
         </p:txBody>
@@ -4471,10 +4384,9 @@
           <a:lstStyle/>
           <a:p>
             <a:r>
-              <a:rPr lang="fr-FR" dirty="0" smtClean="0"/>
+              <a:rPr lang="fr-FR" dirty="0"/>
               <a:t>Trouver le bon modèle</a:t>
             </a:r>
-            <a:endParaRPr lang="fr-FR" dirty="0"/>
           </a:p>
         </p:txBody>
       </p:sp>
@@ -4495,29 +4407,13 @@
           <a:p>
             <a:r>
               <a:rPr lang="fr-FR" dirty="0"/>
-              <a:t>Pour résumer, le travail de modélisation consiste à trouver le bon modèle statistique </a:t>
-            </a:r>
-            <a:r>
-              <a:rPr lang="fr-FR" dirty="0" smtClean="0"/>
-              <a:t>qui </a:t>
-            </a:r>
-            <a:r>
-              <a:rPr lang="fr-FR" dirty="0"/>
-              <a:t>colle le mieux aux données </a:t>
-            </a:r>
-            <a:r>
-              <a:rPr lang="fr-FR" dirty="0" smtClean="0"/>
-              <a:t>d'exemple</a:t>
-            </a:r>
-          </a:p>
-          <a:p>
-            <a:r>
-              <a:rPr lang="fr-FR" dirty="0" smtClean="0"/>
-              <a:t>Le </a:t>
-            </a:r>
-            <a:r>
-              <a:rPr lang="fr-FR" dirty="0"/>
-              <a:t>machine </a:t>
+              <a:t>Pour résumer, le travail de modélisation consiste à trouver le bon modèle statistique qui colle le mieux aux données d'exemple</a:t>
+            </a:r>
+          </a:p>
+          <a:p>
+            <a:r>
+              <a:rPr lang="fr-FR" dirty="0"/>
+              <a:t>Le machine </a:t>
             </a:r>
             <a:r>
               <a:rPr lang="fr-FR" dirty="0" err="1"/>
@@ -4525,20 +4421,16 @@
             </a:r>
             <a:r>
               <a:rPr lang="fr-FR" dirty="0"/>
-              <a:t> en particulier intervient pour trouver ce modèle de manière </a:t>
-            </a:r>
-            <a:r>
-              <a:rPr lang="fr-FR" dirty="0" smtClean="0"/>
-              <a:t>automatisée</a:t>
-            </a:r>
-          </a:p>
-          <a:p>
-            <a:r>
-              <a:rPr lang="fr-FR" dirty="0" smtClean="0"/>
+              <a:t> en particulier intervient pour trouver ce modèle de manière automatisée</a:t>
+            </a:r>
+          </a:p>
+          <a:p>
+            <a:r>
+              <a:rPr lang="fr-FR" dirty="0"/>
               <a:t>Problème du quartet d’</a:t>
             </a:r>
             <a:r>
-              <a:rPr lang="fr-FR" dirty="0" err="1" smtClean="0"/>
+              <a:rPr lang="fr-FR" dirty="0" err="1"/>
               <a:t>Ascombe</a:t>
             </a:r>
             <a:endParaRPr lang="fr-FR" dirty="0"/>
@@ -4591,10 +4483,9 @@
           <a:lstStyle/>
           <a:p>
             <a:r>
-              <a:rPr lang="fr-FR" dirty="0" smtClean="0"/>
+              <a:rPr lang="fr-FR" dirty="0"/>
               <a:t>Apprentissage</a:t>
             </a:r>
-            <a:endParaRPr lang="fr-FR" dirty="0"/>
           </a:p>
         </p:txBody>
       </p:sp>
@@ -4626,46 +4517,30 @@
               <a:t>, l'idée est que l'algorithme construise une "représentation interne" tout seul afin de pouvoir effectuer la tâche qui lui est demandée (prédiction, identification, </a:t>
             </a:r>
             <a:r>
-              <a:rPr lang="fr-FR" dirty="0" err="1" smtClean="0"/>
+              <a:rPr lang="fr-FR" dirty="0" err="1"/>
               <a:t>etc</a:t>
             </a:r>
             <a:r>
-              <a:rPr lang="fr-FR" dirty="0" smtClean="0"/>
+              <a:rPr lang="fr-FR" dirty="0"/>
               <a:t>)</a:t>
             </a:r>
           </a:p>
           <a:p>
             <a:r>
-              <a:rPr lang="fr-FR" dirty="0" smtClean="0"/>
+              <a:rPr lang="fr-FR" dirty="0"/>
               <a:t>L’être humain est quasiment incapable d’écrire l’algorithme</a:t>
             </a:r>
           </a:p>
           <a:p>
             <a:r>
-              <a:rPr lang="fr-FR" dirty="0" smtClean="0"/>
-              <a:t>Pour </a:t>
-            </a:r>
-            <a:r>
-              <a:rPr lang="fr-FR" dirty="0"/>
-              <a:t>cela, il va d'abord falloir lui entrer un jeu de données d'exemples afin qu'il puisse s'entraîner et s'améliorer, d'où le mot </a:t>
-            </a:r>
-            <a:r>
-              <a:rPr lang="fr-FR" dirty="0" smtClean="0"/>
-              <a:t>apprentissage</a:t>
-            </a:r>
-          </a:p>
-          <a:p>
-            <a:r>
-              <a:rPr lang="fr-FR" dirty="0" smtClean="0"/>
-              <a:t>Ce </a:t>
-            </a:r>
-            <a:r>
-              <a:rPr lang="fr-FR" dirty="0"/>
-              <a:t>jeu de données s'appelle le </a:t>
-            </a:r>
-            <a:r>
-              <a:rPr lang="fr-FR" dirty="0" smtClean="0"/>
-              <a:t>training set</a:t>
+              <a:rPr lang="fr-FR" dirty="0"/>
+              <a:t>Pour cela, il va d'abord falloir lui entrer un jeu de données d'exemples afin qu'il puisse s'entraîner et s'améliorer, d'où le mot apprentissage</a:t>
+            </a:r>
+          </a:p>
+          <a:p>
+            <a:r>
+              <a:rPr lang="fr-FR" dirty="0"/>
+              <a:t>Ce jeu de données s'appelle le training set</a:t>
             </a:r>
           </a:p>
           <a:p>
@@ -4719,10 +4594,9 @@
           <a:lstStyle/>
           <a:p>
             <a:r>
-              <a:rPr lang="fr-FR" dirty="0" smtClean="0"/>
+              <a:rPr lang="fr-FR" dirty="0"/>
               <a:t>Exemple</a:t>
             </a:r>
-            <a:endParaRPr lang="fr-FR" dirty="0"/>
           </a:p>
         </p:txBody>
       </p:sp>
@@ -4815,10 +4689,9 @@
           <a:lstStyle/>
           <a:p>
             <a:r>
-              <a:rPr lang="fr-FR" dirty="0" smtClean="0"/>
+              <a:rPr lang="fr-FR" dirty="0"/>
               <a:t>Workflow</a:t>
             </a:r>
-            <a:endParaRPr lang="fr-FR" dirty="0"/>
           </a:p>
         </p:txBody>
       </p:sp>
@@ -4911,10 +4784,9 @@
           <a:lstStyle/>
           <a:p>
             <a:r>
-              <a:rPr lang="fr-FR" dirty="0" smtClean="0"/>
+              <a:rPr lang="fr-FR" dirty="0"/>
               <a:t>Notre travail</a:t>
             </a:r>
-            <a:endParaRPr lang="fr-FR" dirty="0"/>
           </a:p>
         </p:txBody>
       </p:sp>
@@ -4935,15 +4807,7 @@
           <a:p>
             <a:r>
               <a:rPr lang="fr-FR" dirty="0"/>
-              <a:t>L</a:t>
-            </a:r>
-            <a:r>
-              <a:rPr lang="fr-FR" dirty="0" smtClean="0"/>
-              <a:t>e </a:t>
-            </a:r>
-            <a:r>
-              <a:rPr lang="fr-FR" dirty="0"/>
-              <a:t>travail du data </a:t>
+              <a:t>Le travail du data </a:t>
             </a:r>
             <a:r>
               <a:rPr lang="fr-FR" dirty="0" err="1"/>
@@ -4959,31 +4823,19 @@
             </a:r>
             <a:r>
               <a:rPr lang="fr-FR" dirty="0"/>
-              <a:t> consiste à sélectionner les bonnes données test, choisir et entraîner le bon algorithme en vérifiant grâce à l'analyse d'erreurs que le modèle devient de plus en plus performant et </a:t>
-            </a:r>
-            <a:r>
-              <a:rPr lang="fr-FR" dirty="0" smtClean="0"/>
-              <a:t>robuste</a:t>
-            </a:r>
-          </a:p>
-          <a:p>
-            <a:r>
-              <a:rPr lang="fr-FR" dirty="0" smtClean="0"/>
-              <a:t>Si </a:t>
-            </a:r>
-            <a:r>
-              <a:rPr lang="fr-FR" dirty="0"/>
-              <a:t>les performances s'améliorent lorsqu'on lui fourni les données d'entraînement, on dit alors que la machine "apprend".</a:t>
-            </a:r>
-          </a:p>
-          <a:p>
-            <a:r>
-              <a:rPr lang="fr-FR" dirty="0" smtClean="0"/>
-              <a:t>Le </a:t>
-            </a:r>
-            <a:r>
-              <a:rPr lang="fr-FR" dirty="0"/>
-              <a:t>data </a:t>
+              <a:t> consiste à sélectionner les bonnes données test, choisir et entraîner le bon algorithme en vérifiant grâce à l'analyse d'erreurs que le modèle devient de plus en plus performant et robuste</a:t>
+            </a:r>
+          </a:p>
+          <a:p>
+            <a:r>
+              <a:rPr lang="fr-FR" dirty="0"/>
+              <a:t>Si les performances s'améliorent lorsqu'on lui fourni les données d'entraînement, on dit alors que la machine "apprend".</a:t>
+            </a:r>
+          </a:p>
+          <a:p>
+            <a:r>
+              <a:rPr lang="fr-FR" dirty="0"/>
+              <a:t>Le data </a:t>
             </a:r>
             <a:r>
               <a:rPr lang="fr-FR" dirty="0" err="1"/>
@@ -4991,22 +4843,10 @@
             </a:r>
             <a:r>
               <a:rPr lang="fr-FR" dirty="0"/>
-              <a:t> peut ensuite </a:t>
-            </a:r>
-            <a:r>
-              <a:rPr lang="fr-FR" dirty="0" smtClean="0"/>
-              <a:t>déployer le modèle </a:t>
-            </a:r>
-            <a:r>
-              <a:rPr lang="fr-FR" dirty="0"/>
-              <a:t>afin qu'il traite de nouvelles données, pour accomplir la tâche </a:t>
-            </a:r>
-            <a:r>
-              <a:rPr lang="fr-FR" dirty="0" smtClean="0"/>
-              <a:t>(prédiction</a:t>
-            </a:r>
-            <a:r>
-              <a:rPr lang="fr-FR" smtClean="0"/>
+              <a:t> peut ensuite déployer le modèle afin qu'il traite de nouvelles données, pour accomplir la tâche (prédiction</a:t>
+            </a:r>
+            <a:r>
+              <a:rPr lang="fr-FR"/>
               <a:t>, décision, ...).</a:t>
             </a:r>
             <a:endParaRPr lang="fr-FR" dirty="0"/>
@@ -5059,10 +4899,9 @@
           <a:lstStyle/>
           <a:p>
             <a:r>
-              <a:rPr lang="fr-FR" dirty="0" smtClean="0"/>
+              <a:rPr lang="fr-FR" dirty="0"/>
               <a:t>Machine Learning</a:t>
             </a:r>
-            <a:endParaRPr lang="fr-FR" dirty="0"/>
           </a:p>
         </p:txBody>
       </p:sp>
@@ -5154,13 +4993,8 @@
           <a:p>
             <a:r>
               <a:rPr lang="fr-FR" dirty="0"/>
-              <a:t>L'algorithme </a:t>
-            </a:r>
-            <a:r>
-              <a:rPr lang="fr-FR" dirty="0" smtClean="0"/>
-              <a:t>d'apprentissage</a:t>
-            </a:r>
-            <a:endParaRPr lang="fr-FR" dirty="0"/>
+              <a:t>L'algorithme d'apprentissage</a:t>
+            </a:r>
           </a:p>
         </p:txBody>
       </p:sp>
@@ -5181,43 +5015,22 @@
           <a:p>
             <a:r>
               <a:rPr lang="fr-FR" dirty="0"/>
-              <a:t>L'algorithme d'apprentissage constitue la méthode avec laquelle le modèle statistique va se paramétrer à partir des données </a:t>
-            </a:r>
-            <a:r>
-              <a:rPr lang="fr-FR" dirty="0" smtClean="0"/>
-              <a:t>d'exemple</a:t>
+              <a:t>L'algorithme d'apprentissage constitue la méthode avec laquelle le modèle statistique va se paramétrer à partir des données d'exemple</a:t>
             </a:r>
           </a:p>
           <a:p>
             <a:pPr lvl="1"/>
             <a:r>
-              <a:rPr lang="fr-FR" dirty="0" smtClean="0"/>
-              <a:t>Il </a:t>
-            </a:r>
-            <a:r>
-              <a:rPr lang="fr-FR" dirty="0"/>
-              <a:t>existe de nombreux algorithmes différents </a:t>
-            </a:r>
-            <a:r>
-              <a:rPr lang="fr-FR" dirty="0" smtClean="0"/>
-              <a:t>!</a:t>
+              <a:rPr lang="fr-FR" dirty="0"/>
+              <a:t>Il existe de nombreux algorithmes différents !</a:t>
             </a:r>
           </a:p>
           <a:p>
             <a:pPr lvl="1"/>
             <a:r>
-              <a:rPr lang="fr-FR" dirty="0" smtClean="0"/>
-              <a:t>On </a:t>
-            </a:r>
-            <a:r>
-              <a:rPr lang="fr-FR" dirty="0"/>
-              <a:t>choisira un type d'algorithme particulier en fonction du type de tâche que l'on souhaite accomplir et du type de données dont on </a:t>
-            </a:r>
-            <a:r>
-              <a:rPr lang="fr-FR" dirty="0" smtClean="0"/>
-              <a:t>dispose</a:t>
-            </a:r>
-            <a:endParaRPr lang="fr-FR" dirty="0"/>
+              <a:rPr lang="fr-FR" dirty="0"/>
+              <a:t>On choisira un type d'algorithme particulier en fonction du type de tâche que l'on souhaite accomplir et du type de données dont on dispose</a:t>
+            </a:r>
           </a:p>
         </p:txBody>
       </p:sp>
@@ -5267,10 +5080,9 @@
           <a:lstStyle/>
           <a:p>
             <a:r>
-              <a:rPr lang="fr-FR" dirty="0" smtClean="0"/>
+              <a:rPr lang="fr-FR" dirty="0"/>
               <a:t>Exemples</a:t>
             </a:r>
-            <a:endParaRPr lang="fr-FR" dirty="0"/>
           </a:p>
         </p:txBody>
       </p:sp>
@@ -5305,12 +5117,8 @@
           <a:p>
             <a:pPr lvl="1"/>
             <a:r>
-              <a:rPr lang="fr-FR" dirty="0" smtClean="0"/>
-              <a:t>La </a:t>
-            </a:r>
-            <a:r>
-              <a:rPr lang="fr-FR" dirty="0"/>
-              <a:t>régression linéaire</a:t>
+              <a:rPr lang="fr-FR" dirty="0"/>
+              <a:t>La régression linéaire</a:t>
             </a:r>
           </a:p>
           <a:p>
@@ -5418,10 +5226,9 @@
           <a:lstStyle/>
           <a:p>
             <a:r>
-              <a:rPr lang="fr-FR" dirty="0" smtClean="0"/>
+              <a:rPr lang="fr-FR" dirty="0"/>
               <a:t>Mesure de performance</a:t>
             </a:r>
-            <a:endParaRPr lang="fr-FR" dirty="0"/>
           </a:p>
         </p:txBody>
       </p:sp>
@@ -5442,11 +5249,7 @@
           <a:p>
             <a:r>
               <a:rPr lang="fr-FR" dirty="0"/>
-              <a:t>Mesurer les performances fait partie intégrante du travail de modélisation. Il faut en général déterminer une mesure principale, souvent spécifique à la tâche à </a:t>
-            </a:r>
-            <a:r>
-              <a:rPr lang="fr-FR" dirty="0" smtClean="0"/>
-              <a:t>accomplir</a:t>
+              <a:t>Mesurer les performances fait partie intégrante du travail de modélisation. Il faut en général déterminer une mesure principale, souvent spécifique à la tâche à accomplir</a:t>
             </a:r>
           </a:p>
           <a:p>
@@ -5500,10 +5303,9 @@
           <a:lstStyle/>
           <a:p>
             <a:r>
-              <a:rPr lang="fr-FR" dirty="0" smtClean="0"/>
+              <a:rPr lang="fr-FR" dirty="0"/>
               <a:t>Exemple</a:t>
             </a:r>
-            <a:endParaRPr lang="fr-FR" dirty="0"/>
           </a:p>
         </p:txBody>
       </p:sp>
@@ -5524,80 +5326,40 @@
           <a:p>
             <a:r>
               <a:rPr lang="fr-FR" sz="2400" dirty="0"/>
-              <a:t>Imaginez que vous voulez créer un algorithme de détection de fraudes </a:t>
-            </a:r>
-            <a:r>
-              <a:rPr lang="fr-FR" sz="2400" dirty="0" smtClean="0"/>
-              <a:t>bancaires</a:t>
+              <a:t>Imaginez que vous voulez créer un algorithme de détection de fraudes bancaires</a:t>
             </a:r>
           </a:p>
           <a:p>
             <a:pPr lvl="1"/>
             <a:r>
-              <a:rPr lang="fr-FR" sz="2000" dirty="0" smtClean="0"/>
-              <a:t>Vous </a:t>
-            </a:r>
-            <a:r>
               <a:rPr lang="fr-FR" sz="2000" dirty="0"/>
-              <a:t>voulez mesurer à quel point votre programme est </a:t>
-            </a:r>
-            <a:r>
-              <a:rPr lang="fr-FR" sz="2000" dirty="0" smtClean="0"/>
-              <a:t>performant</a:t>
-            </a:r>
-          </a:p>
-          <a:p>
-            <a:r>
-              <a:rPr lang="fr-FR" sz="2400" dirty="0" smtClean="0"/>
-              <a:t>Une </a:t>
-            </a:r>
+              <a:t>Vous voulez mesurer à quel point votre programme est performant</a:t>
+            </a:r>
+          </a:p>
+          <a:p>
             <a:r>
               <a:rPr lang="fr-FR" sz="2400" dirty="0"/>
-              <a:t>manière de faire serait de mesurer la proportion totale de transaction détectées comme </a:t>
-            </a:r>
-            <a:r>
-              <a:rPr lang="fr-FR" sz="2400" dirty="0" smtClean="0"/>
-              <a:t>fraude</a:t>
+              <a:t>Une manière de faire serait de mesurer la proportion totale de transaction détectées comme fraude</a:t>
             </a:r>
           </a:p>
           <a:p>
             <a:pPr lvl="1"/>
             <a:r>
-              <a:rPr lang="fr-FR" sz="2000" dirty="0" smtClean="0"/>
-              <a:t>Cependant</a:t>
-            </a:r>
-            <a:r>
               <a:rPr lang="fr-FR" sz="2000" dirty="0"/>
-              <a:t>, on compte ici les transactions qui ne sont pas des fraudes et qui ont quand même été notées comme en étant (appelé "faux positifs</a:t>
-            </a:r>
-            <a:r>
-              <a:rPr lang="fr-FR" sz="2000" dirty="0" smtClean="0"/>
-              <a:t>")</a:t>
+              <a:t>Cependant, on compte ici les transactions qui ne sont pas des fraudes et qui ont quand même été notées comme en étant (appelé "faux positifs")</a:t>
             </a:r>
           </a:p>
           <a:p>
             <a:pPr lvl="1"/>
             <a:r>
-              <a:rPr lang="fr-FR" sz="2000" dirty="0" smtClean="0"/>
-              <a:t>Donc</a:t>
-            </a:r>
-            <a:r>
               <a:rPr lang="fr-FR" sz="2000" dirty="0"/>
-              <a:t>, avec ce genre de métriques, on est pas exigeant sur ce type d'erreur que produit notre </a:t>
-            </a:r>
-            <a:r>
-              <a:rPr lang="fr-FR" sz="2000" dirty="0" smtClean="0"/>
-              <a:t>algorithme</a:t>
-            </a:r>
-          </a:p>
-          <a:p>
-            <a:r>
-              <a:rPr lang="fr-FR" sz="2400" dirty="0" smtClean="0"/>
-              <a:t>Il </a:t>
-            </a:r>
+              <a:t>Donc, avec ce genre de métriques, on est pas exigeant sur ce type d'erreur que produit notre algorithme</a:t>
+            </a:r>
+          </a:p>
+          <a:p>
             <a:r>
               <a:rPr lang="fr-FR" sz="2400" dirty="0"/>
-              <a:t>faut peut être, utiliser une autre métrique plus pertinente. Par exemple, la précision qui est la proportion de "vraies fraudes" détectées par rapport au total de transactions </a:t>
+              <a:t>Il faut peut être, utiliser une autre métrique plus pertinente. Par exemple, la précision qui est la proportion de "vraies fraudes" détectées par rapport au total de transactions </a:t>
             </a:r>
             <a:r>
               <a:rPr lang="fr-FR" sz="2400" dirty="0" err="1"/>
@@ -5656,10 +5418,9 @@
           <a:lstStyle/>
           <a:p>
             <a:r>
-              <a:rPr lang="fr-FR" dirty="0" smtClean="0"/>
+              <a:rPr lang="fr-FR" dirty="0"/>
               <a:t>Autre exemple</a:t>
             </a:r>
-            <a:endParaRPr lang="fr-FR" dirty="0"/>
           </a:p>
         </p:txBody>
       </p:sp>
@@ -5679,16 +5440,15 @@
           <a:lstStyle/>
           <a:p>
             <a:r>
-              <a:rPr lang="fr-FR" dirty="0" smtClean="0"/>
+              <a:rPr lang="fr-FR" dirty="0"/>
               <a:t>Dans la détection de maladie comme la méningite le nombre de faux positif n’est pas très important</a:t>
             </a:r>
           </a:p>
           <a:p>
             <a:r>
-              <a:rPr lang="fr-FR" dirty="0" smtClean="0"/>
+              <a:rPr lang="fr-FR" dirty="0"/>
               <a:t>Alors que le nombre de faux négatif est potentiellement mortel</a:t>
             </a:r>
-            <a:endParaRPr lang="fr-FR" dirty="0"/>
           </a:p>
         </p:txBody>
       </p:sp>
@@ -5738,10 +5498,9 @@
           <a:lstStyle/>
           <a:p>
             <a:r>
-              <a:rPr lang="fr-FR" dirty="0" smtClean="0"/>
+              <a:rPr lang="fr-FR" dirty="0"/>
               <a:t>Problème de la recommandation</a:t>
             </a:r>
-            <a:endParaRPr lang="fr-FR" dirty="0"/>
           </a:p>
         </p:txBody>
       </p:sp>
@@ -5765,19 +5524,15 @@
               <a:t>La recommandation est une problématique qui revient très souvent pour les data </a:t>
             </a:r>
             <a:r>
-              <a:rPr lang="fr-FR" sz="2400" dirty="0" err="1" smtClean="0"/>
+              <a:rPr lang="fr-FR" sz="2400" dirty="0" err="1"/>
               <a:t>scientists</a:t>
             </a:r>
-            <a:endParaRPr lang="fr-FR" sz="2400" dirty="0" smtClean="0"/>
-          </a:p>
-          <a:p>
-            <a:r>
-              <a:rPr lang="fr-FR" sz="2400" dirty="0" smtClean="0"/>
-              <a:t>Suggérer </a:t>
-            </a:r>
+            <a:endParaRPr lang="fr-FR" sz="2400" dirty="0"/>
+          </a:p>
+          <a:p>
             <a:r>
               <a:rPr lang="fr-FR" sz="2400" dirty="0"/>
-              <a:t>d'autres produits à acheter sur Amazon, des films à regarder sur </a:t>
+              <a:t>Suggérer d'autres produits à acheter sur Amazon, des films à regarder sur </a:t>
             </a:r>
             <a:r>
               <a:rPr lang="fr-FR" sz="2400" dirty="0" err="1"/>
@@ -5796,34 +5551,30 @@
               <a:t>, </a:t>
             </a:r>
             <a:r>
-              <a:rPr lang="fr-FR" sz="2400" dirty="0" err="1" smtClean="0"/>
+              <a:rPr lang="fr-FR" sz="2400" dirty="0" err="1"/>
               <a:t>etc</a:t>
             </a:r>
-            <a:endParaRPr lang="fr-FR" sz="2400" dirty="0" smtClean="0"/>
+            <a:endParaRPr lang="fr-FR" sz="2400" dirty="0"/>
           </a:p>
           <a:p>
             <a:pPr lvl="1"/>
             <a:r>
-              <a:rPr lang="fr-FR" sz="2000" dirty="0" smtClean="0"/>
+              <a:rPr lang="fr-FR" sz="2000" dirty="0"/>
               <a:t>La recommandation </a:t>
             </a:r>
             <a:r>
-              <a:rPr lang="fr-FR" sz="2000" dirty="0" err="1" smtClean="0"/>
+              <a:rPr lang="fr-FR" sz="2000" dirty="0" err="1"/>
               <a:t>Spotify</a:t>
             </a:r>
             <a:r>
-              <a:rPr lang="fr-FR" sz="2000" dirty="0" smtClean="0"/>
+              <a:rPr lang="fr-FR" sz="2000" dirty="0"/>
               <a:t> est en Python</a:t>
             </a:r>
           </a:p>
           <a:p>
             <a:r>
               <a:rPr lang="fr-FR" sz="2400" dirty="0"/>
-              <a:t>Mais du coup c'est de la classification ? de la régression ? supervisé ? non-supervisé </a:t>
-            </a:r>
-            <a:r>
-              <a:rPr lang="fr-FR" sz="2400" dirty="0" smtClean="0"/>
-              <a:t>?</a:t>
+              <a:t>Mais du coup c'est de la classification ? de la régression ? supervisé ? non-supervisé ?</a:t>
             </a:r>
           </a:p>
           <a:p>
@@ -5837,22 +5588,14 @@
             </a:r>
             <a:r>
               <a:rPr lang="fr-FR" sz="2400" dirty="0"/>
-              <a:t>", qui se base sur des </a:t>
-            </a:r>
-            <a:r>
-              <a:rPr lang="fr-FR" sz="2400" dirty="0" smtClean="0"/>
-              <a:t>similarités</a:t>
+              <a:t>", qui se base sur des similarités</a:t>
             </a:r>
           </a:p>
           <a:p>
             <a:pPr lvl="1"/>
             <a:r>
-              <a:rPr lang="fr-FR" sz="2000" dirty="0" smtClean="0"/>
-              <a:t>c'est </a:t>
-            </a:r>
-            <a:r>
               <a:rPr lang="fr-FR" sz="2000" dirty="0"/>
-              <a:t>un problème non-supervisé</a:t>
+              <a:t>c'est un problème non-supervisé</a:t>
             </a:r>
           </a:p>
         </p:txBody>
@@ -5903,10 +5646,9 @@
           <a:lstStyle/>
           <a:p>
             <a:r>
-              <a:rPr lang="fr-FR" dirty="0" smtClean="0"/>
+              <a:rPr lang="fr-FR" dirty="0"/>
               <a:t>Que va répondre le client ?</a:t>
             </a:r>
-            <a:endParaRPr lang="fr-FR" dirty="0"/>
           </a:p>
         </p:txBody>
       </p:sp>
@@ -5926,10 +5668,9 @@
           <a:lstStyle/>
           <a:p>
             <a:r>
-              <a:rPr lang="fr-FR" dirty="0" smtClean="0"/>
+              <a:rPr lang="fr-FR" dirty="0"/>
               <a:t>Nous regardons les utilisateurs similaires</a:t>
             </a:r>
-            <a:endParaRPr lang="fr-FR" dirty="0"/>
           </a:p>
         </p:txBody>
       </p:sp>
@@ -6020,11 +5761,11 @@
           <a:lstStyle/>
           <a:p>
             <a:r>
-              <a:rPr lang="fr-FR" dirty="0" smtClean="0"/>
+              <a:rPr lang="fr-FR" dirty="0"/>
               <a:t>Le </a:t>
             </a:r>
             <a:r>
-              <a:rPr lang="fr-FR" dirty="0" err="1" smtClean="0"/>
+              <a:rPr lang="fr-FR" dirty="0" err="1"/>
               <a:t>clustering</a:t>
             </a:r>
             <a:endParaRPr lang="fr-FR" dirty="0"/>
@@ -6056,39 +5797,19 @@
             </a:r>
             <a:r>
               <a:rPr lang="fr-FR" dirty="0"/>
-              <a:t> désigne les méthodes de regroupement automatique de données qui se ressemblent le plus en un ensemble de "nuages", appelés </a:t>
-            </a:r>
-            <a:r>
-              <a:rPr lang="fr-FR" dirty="0" smtClean="0"/>
-              <a:t>clusters</a:t>
-            </a:r>
-          </a:p>
-          <a:p>
-            <a:r>
-              <a:rPr lang="fr-FR" dirty="0" smtClean="0"/>
-              <a:t>Un </a:t>
-            </a:r>
-            <a:r>
-              <a:rPr lang="fr-FR" dirty="0"/>
-              <a:t>ensemble d'algorithmes non-supervisés peuvent réaliser cette </a:t>
-            </a:r>
-            <a:r>
-              <a:rPr lang="fr-FR" dirty="0" smtClean="0"/>
-              <a:t>tâche</a:t>
-            </a:r>
-          </a:p>
-          <a:p>
-            <a:r>
-              <a:rPr lang="fr-FR" dirty="0" smtClean="0"/>
-              <a:t>Ils </a:t>
-            </a:r>
-            <a:r>
-              <a:rPr lang="fr-FR" dirty="0"/>
-              <a:t>mesurent donc de manière automatique la similarité entre les différentes </a:t>
-            </a:r>
-            <a:r>
-              <a:rPr lang="fr-FR" dirty="0" smtClean="0"/>
-              <a:t>données</a:t>
+              <a:t> désigne les méthodes de regroupement automatique de données qui se ressemblent le plus en un ensemble de "nuages", appelés clusters</a:t>
+            </a:r>
+          </a:p>
+          <a:p>
+            <a:r>
+              <a:rPr lang="fr-FR" dirty="0"/>
+              <a:t>Un ensemble d'algorithmes non-supervisés peuvent réaliser cette tâche</a:t>
+            </a:r>
+          </a:p>
+          <a:p>
+            <a:r>
+              <a:rPr lang="fr-FR" dirty="0"/>
+              <a:t>Ils mesurent donc de manière automatique la similarité entre les différentes données</a:t>
             </a:r>
           </a:p>
         </p:txBody>
@@ -6139,10 +5860,9 @@
           <a:lstStyle/>
           <a:p>
             <a:r>
-              <a:rPr lang="fr-FR" dirty="0" smtClean="0"/>
+              <a:rPr lang="fr-FR" dirty="0"/>
               <a:t>Exemple</a:t>
             </a:r>
-            <a:endParaRPr lang="fr-FR" dirty="0"/>
           </a:p>
         </p:txBody>
       </p:sp>
@@ -6235,10 +5955,9 @@
           <a:lstStyle/>
           <a:p>
             <a:r>
-              <a:rPr lang="fr-FR" dirty="0" smtClean="0"/>
+              <a:rPr lang="fr-FR" dirty="0"/>
               <a:t>No Free Lunch</a:t>
             </a:r>
-            <a:endParaRPr lang="fr-FR" dirty="0"/>
           </a:p>
         </p:txBody>
       </p:sp>
@@ -6259,15 +5978,7 @@
           <a:p>
             <a:r>
               <a:rPr lang="fr-FR" dirty="0"/>
-              <a:t>Le théorème du "No Free Lunch" </a:t>
-            </a:r>
-            <a:r>
-              <a:rPr lang="fr-FR" dirty="0" smtClean="0"/>
-              <a:t>est </a:t>
-            </a:r>
-            <a:r>
-              <a:rPr lang="fr-FR" dirty="0"/>
-              <a:t>la raison pour laquelle on va encore avoir besoin des data </a:t>
+              <a:t>Le théorème du "No Free Lunch" est la raison pour laquelle on va encore avoir besoin des data </a:t>
             </a:r>
             <a:r>
               <a:rPr lang="fr-FR" dirty="0" err="1"/>
@@ -6275,38 +5986,21 @@
             </a:r>
             <a:r>
               <a:rPr lang="fr-FR" dirty="0"/>
-              <a:t> pour un bon bout de temps </a:t>
-            </a:r>
-            <a:r>
-              <a:rPr lang="fr-FR" dirty="0" smtClean="0"/>
-              <a:t>!</a:t>
-            </a:r>
-            <a:endParaRPr lang="fr-FR" dirty="0"/>
+              <a:t> pour un bon bout de temps !</a:t>
+            </a:r>
           </a:p>
           <a:p>
             <a:pPr lvl="1"/>
             <a:r>
-              <a:rPr lang="fr-FR" dirty="0" smtClean="0"/>
-              <a:t>En </a:t>
-            </a:r>
-            <a:r>
-              <a:rPr lang="fr-FR" dirty="0"/>
-              <a:t>essence, ce théorème statue qu'aucun modèle et algorithme ne fonctionne bien pour tous les </a:t>
-            </a:r>
-            <a:r>
-              <a:rPr lang="fr-FR" dirty="0" smtClean="0"/>
-              <a:t>problèmes</a:t>
+              <a:rPr lang="fr-FR" dirty="0"/>
+              <a:t>En essence, ce théorème statue qu'aucun modèle et algorithme ne fonctionne bien pour tous les problèmes</a:t>
             </a:r>
           </a:p>
           <a:p>
             <a:pPr lvl="1"/>
             <a:r>
-              <a:rPr lang="fr-FR" dirty="0" smtClean="0"/>
-              <a:t>En </a:t>
-            </a:r>
-            <a:r>
-              <a:rPr lang="fr-FR" dirty="0"/>
-              <a:t>d'autres termes, si un algorithme de machine </a:t>
+              <a:rPr lang="fr-FR" dirty="0"/>
+              <a:t>En d'autres termes, si un algorithme de machine </a:t>
             </a:r>
             <a:r>
               <a:rPr lang="fr-FR" dirty="0" err="1"/>
@@ -6320,10 +6014,9 @@
           <a:p>
             <a:pPr lvl="1"/>
             <a:r>
-              <a:rPr lang="fr-FR" dirty="0" smtClean="0"/>
+              <a:rPr lang="fr-FR" dirty="0"/>
               <a:t>.</a:t>
             </a:r>
-            <a:endParaRPr lang="fr-FR" dirty="0"/>
           </a:p>
         </p:txBody>
       </p:sp>
@@ -6373,10 +6066,9 @@
           <a:lstStyle/>
           <a:p>
             <a:r>
-              <a:rPr lang="fr-FR" dirty="0" smtClean="0"/>
+              <a:rPr lang="fr-FR" dirty="0"/>
               <a:t>Machine Learning</a:t>
             </a:r>
-            <a:endParaRPr lang="fr-FR" dirty="0"/>
           </a:p>
         </p:txBody>
       </p:sp>
@@ -6397,31 +6089,15 @@
           <a:p>
             <a:r>
               <a:rPr lang="fr-FR" dirty="0"/>
-              <a:t>L'apprentissage automatique </a:t>
-            </a:r>
-            <a:r>
-              <a:rPr lang="fr-FR" dirty="0" smtClean="0"/>
-              <a:t>(machine </a:t>
-            </a:r>
-            <a:r>
-              <a:rPr lang="fr-FR" dirty="0" err="1" smtClean="0"/>
+              <a:t>L'apprentissage automatique (machine </a:t>
+            </a:r>
+            <a:r>
+              <a:rPr lang="fr-FR" dirty="0" err="1"/>
               <a:t>learning</a:t>
             </a:r>
             <a:r>
-              <a:rPr lang="fr-FR" dirty="0" smtClean="0"/>
-              <a:t>), champ </a:t>
-            </a:r>
-            <a:r>
-              <a:rPr lang="fr-FR" dirty="0"/>
-              <a:t>d'étude de l'intelligence artificielle, concerne la conception, l'analyse, le développement et l'implémentation de méthodes permettant à une machine </a:t>
-            </a:r>
-            <a:r>
-              <a:rPr lang="fr-FR" dirty="0" smtClean="0"/>
-              <a:t>d'évoluer </a:t>
-            </a:r>
-            <a:r>
-              <a:rPr lang="fr-FR" dirty="0"/>
-              <a:t>par un processus systématique, et ainsi de remplir des tâches difficiles ou problématiques par des moyens algorithmiques plus classiques</a:t>
+              <a:rPr lang="fr-FR" dirty="0"/>
+              <a:t>), champ d'étude de l'intelligence artificielle, concerne la conception, l'analyse, le développement et l'implémentation de méthodes permettant à une machine d'évoluer par un processus systématique, et ainsi de remplir des tâches difficiles ou problématiques par des moyens algorithmiques plus classiques</a:t>
             </a:r>
           </a:p>
         </p:txBody>
@@ -6472,10 +6148,9 @@
           <a:lstStyle/>
           <a:p>
             <a:r>
-              <a:rPr lang="fr-FR" dirty="0" smtClean="0"/>
+              <a:rPr lang="fr-FR" dirty="0"/>
               <a:t>Choix du modèle</a:t>
             </a:r>
-            <a:endParaRPr lang="fr-FR" dirty="0"/>
           </a:p>
         </p:txBody>
       </p:sp>
@@ -6551,10 +6226,9 @@
           <a:lstStyle/>
           <a:p>
             <a:r>
-              <a:rPr lang="fr-FR" dirty="0" smtClean="0"/>
+              <a:rPr lang="fr-FR" dirty="0"/>
               <a:t>Problème non modélisables</a:t>
             </a:r>
-            <a:endParaRPr lang="fr-FR" dirty="0"/>
           </a:p>
         </p:txBody>
       </p:sp>
@@ -6574,47 +6248,47 @@
           <a:lstStyle/>
           <a:p>
             <a:r>
-              <a:rPr lang="fr-FR" dirty="0" smtClean="0"/>
+              <a:rPr lang="fr-FR" dirty="0"/>
               <a:t>Certains problèmes ne sont pas modélisable par une régression</a:t>
             </a:r>
           </a:p>
           <a:p>
             <a:pPr lvl="1"/>
             <a:r>
-              <a:rPr lang="fr-FR" dirty="0" smtClean="0"/>
+              <a:rPr lang="fr-FR" dirty="0"/>
               <a:t>Non rationnel : Pi, nombres premiers</a:t>
             </a:r>
           </a:p>
           <a:p>
             <a:pPr lvl="1"/>
             <a:r>
-              <a:rPr lang="fr-FR" dirty="0" smtClean="0"/>
+              <a:rPr lang="fr-FR" dirty="0"/>
               <a:t>Fortement dispersé : </a:t>
             </a:r>
             <a:r>
-              <a:rPr lang="fr-FR" dirty="0" err="1" smtClean="0"/>
+              <a:rPr lang="fr-FR" dirty="0" err="1"/>
               <a:t>Random</a:t>
             </a:r>
-            <a:endParaRPr lang="fr-FR" dirty="0" smtClean="0"/>
+            <a:endParaRPr lang="fr-FR" dirty="0"/>
           </a:p>
           <a:p>
             <a:pPr lvl="1"/>
             <a:r>
-              <a:rPr lang="fr-FR" dirty="0" smtClean="0"/>
+              <a:rPr lang="fr-FR" dirty="0"/>
               <a:t>Ici </a:t>
             </a:r>
             <a:r>
-              <a:rPr lang="fr-FR" dirty="0" err="1" smtClean="0"/>
+              <a:rPr lang="fr-FR" dirty="0" err="1"/>
               <a:t>random.rand</a:t>
             </a:r>
             <a:r>
-              <a:rPr lang="fr-FR" dirty="0" smtClean="0"/>
+              <a:rPr lang="fr-FR" dirty="0"/>
               <a:t>(30) et les 40000 premiers nombres premiers sur une grille 200 x 200</a:t>
             </a:r>
           </a:p>
           <a:p>
             <a:pPr lvl="1"/>
-            <a:endParaRPr lang="fr-FR" dirty="0" smtClean="0"/>
+            <a:endParaRPr lang="fr-FR" dirty="0"/>
           </a:p>
         </p:txBody>
       </p:sp>
@@ -6746,11 +6420,11 @@
           <a:lstStyle/>
           <a:p>
             <a:r>
-              <a:rPr lang="fr-FR" dirty="0" smtClean="0"/>
+              <a:rPr lang="fr-FR" dirty="0"/>
               <a:t>Démarrer le machine </a:t>
             </a:r>
             <a:r>
-              <a:rPr lang="fr-FR" dirty="0" err="1" smtClean="0"/>
+              <a:rPr lang="fr-FR" dirty="0" err="1"/>
               <a:t>learning</a:t>
             </a:r>
             <a:endParaRPr lang="fr-FR" dirty="0"/>
@@ -6773,37 +6447,33 @@
           <a:lstStyle/>
           <a:p>
             <a:r>
-              <a:rPr lang="fr-FR" dirty="0" smtClean="0"/>
+              <a:rPr lang="fr-FR" dirty="0"/>
               <a:t>Nous avons un </a:t>
             </a:r>
             <a:r>
-              <a:rPr lang="fr-FR" dirty="0" err="1" smtClean="0"/>
+              <a:rPr lang="fr-FR" dirty="0" err="1"/>
               <a:t>datalake</a:t>
             </a:r>
-            <a:endParaRPr lang="fr-FR" dirty="0" smtClean="0"/>
-          </a:p>
-          <a:p>
-            <a:r>
-              <a:rPr lang="fr-FR" dirty="0" smtClean="0"/>
+            <a:endParaRPr lang="fr-FR" dirty="0"/>
+          </a:p>
+          <a:p>
+            <a:r>
+              <a:rPr lang="fr-FR" dirty="0"/>
               <a:t>Nous avons le </a:t>
             </a:r>
             <a:r>
-              <a:rPr lang="fr-FR" dirty="0" err="1" smtClean="0"/>
+              <a:rPr lang="fr-FR" dirty="0" err="1"/>
               <a:t>datamart</a:t>
             </a:r>
             <a:r>
-              <a:rPr lang="fr-FR" dirty="0" smtClean="0"/>
+              <a:rPr lang="fr-FR" dirty="0"/>
               <a:t> structuré et nettoyé</a:t>
             </a:r>
           </a:p>
           <a:p>
             <a:r>
-              <a:rPr lang="fr-FR" dirty="0" smtClean="0"/>
-              <a:t>L’objectif </a:t>
-            </a:r>
-            <a:r>
-              <a:rPr lang="fr-FR" dirty="0"/>
-              <a:t>du machine </a:t>
+              <a:rPr lang="fr-FR" dirty="0"/>
+              <a:t>L’objectif du machine </a:t>
             </a:r>
             <a:r>
               <a:rPr lang="fr-FR" dirty="0" err="1"/>
@@ -6811,38 +6481,26 @@
             </a:r>
             <a:r>
               <a:rPr lang="fr-FR" dirty="0"/>
-              <a:t> est de trouver un modèle qui effectue une approximation de la </a:t>
-            </a:r>
-            <a:r>
-              <a:rPr lang="fr-FR" dirty="0" smtClean="0"/>
-              <a:t>réalité, </a:t>
-            </a:r>
-            <a:r>
-              <a:rPr lang="fr-FR" dirty="0"/>
-              <a:t>à l’aide de laquelle on va pouvoir effectuer des </a:t>
-            </a:r>
-            <a:r>
-              <a:rPr lang="fr-FR" dirty="0" smtClean="0"/>
-              <a:t>prédictions</a:t>
-            </a:r>
-          </a:p>
-          <a:p>
-            <a:r>
-              <a:rPr lang="fr-FR" dirty="0" smtClean="0"/>
+              <a:t> est de trouver un modèle qui effectue une approximation de la réalité, à l’aide de laquelle on va pouvoir effectuer des prédictions</a:t>
+            </a:r>
+          </a:p>
+          <a:p>
+            <a:r>
+              <a:rPr lang="fr-FR" dirty="0"/>
               <a:t>DATA = Model + Bruit</a:t>
             </a:r>
           </a:p>
           <a:p>
             <a:pPr lvl="1"/>
             <a:r>
-              <a:rPr lang="fr-FR" dirty="0" smtClean="0"/>
+              <a:rPr lang="fr-FR" dirty="0"/>
               <a:t>Model = cercle</a:t>
             </a:r>
           </a:p>
           <a:p>
             <a:pPr lvl="1"/>
             <a:r>
-              <a:rPr lang="fr-FR" dirty="0" smtClean="0"/>
+              <a:rPr lang="fr-FR" dirty="0"/>
               <a:t>Bruit = écart data réelle vs cercle</a:t>
             </a:r>
           </a:p>
@@ -6938,7 +6596,7 @@
           <a:lstStyle/>
           <a:p>
             <a:r>
-              <a:rPr lang="fr-FR" dirty="0" err="1" smtClean="0"/>
+              <a:rPr lang="fr-FR" dirty="0" err="1"/>
               <a:t>Loss</a:t>
             </a:r>
             <a:endParaRPr lang="fr-FR" dirty="0"/>
@@ -6970,29 +6628,13 @@
             </a:r>
             <a:r>
               <a:rPr lang="fr-FR" dirty="0"/>
-              <a:t> en anglais) due à l'approximation </a:t>
-            </a:r>
-            <a:r>
-              <a:rPr lang="fr-FR" dirty="0" smtClean="0"/>
-              <a:t>du modèle</a:t>
-            </a:r>
-          </a:p>
-          <a:p>
-            <a:r>
-              <a:rPr lang="fr-FR" dirty="0" smtClean="0"/>
-              <a:t>Elle </a:t>
-            </a:r>
-            <a:r>
-              <a:rPr lang="fr-FR" dirty="0"/>
-              <a:t>détermine à quel point notre modélisation du phénomène, qui est une approximation de la </a:t>
-            </a:r>
-            <a:r>
-              <a:rPr lang="fr-FR" dirty="0" smtClean="0"/>
-              <a:t>réalité (régression), </a:t>
-            </a:r>
-            <a:r>
-              <a:rPr lang="fr-FR" dirty="0"/>
-              <a:t>perd de l’information par rapport à la réalité observée à travers les données d’exemple</a:t>
+              <a:t> en anglais) due à l'approximation du modèle</a:t>
+            </a:r>
+          </a:p>
+          <a:p>
+            <a:r>
+              <a:rPr lang="fr-FR" dirty="0"/>
+              <a:t>Elle détermine à quel point notre modélisation du phénomène, qui est une approximation de la réalité (régression), perd de l’information par rapport à la réalité observée à travers les données d’exemple</a:t>
             </a:r>
           </a:p>
         </p:txBody>
@@ -7043,10 +6685,9 @@
           <a:lstStyle/>
           <a:p>
             <a:r>
-              <a:rPr lang="fr-FR" dirty="0" smtClean="0"/>
+              <a:rPr lang="fr-FR" dirty="0"/>
               <a:t>Prétraitement</a:t>
             </a:r>
-            <a:endParaRPr lang="fr-FR" dirty="0"/>
           </a:p>
         </p:txBody>
       </p:sp>
@@ -7066,36 +6707,35 @@
           <a:lstStyle/>
           <a:p>
             <a:r>
-              <a:rPr lang="fr-FR" dirty="0" smtClean="0"/>
+              <a:rPr lang="fr-FR" dirty="0"/>
               <a:t>Si un problème est trop long à résoudre il faut le simplifier</a:t>
             </a:r>
           </a:p>
           <a:p>
             <a:r>
-              <a:rPr lang="fr-FR" dirty="0" smtClean="0"/>
+              <a:rPr lang="fr-FR" dirty="0"/>
               <a:t>Une fois les données nettoyée on peut les prétraitées</a:t>
             </a:r>
           </a:p>
           <a:p>
             <a:r>
-              <a:rPr lang="fr-FR" dirty="0" smtClean="0"/>
+              <a:rPr lang="fr-FR" dirty="0"/>
               <a:t>En prétraitant des données leur traitement sera facilité</a:t>
             </a:r>
           </a:p>
           <a:p>
             <a:pPr lvl="1"/>
             <a:r>
-              <a:rPr lang="fr-FR" dirty="0" smtClean="0"/>
+              <a:rPr lang="fr-FR" dirty="0"/>
               <a:t>Ici le seuillage d’une image</a:t>
             </a:r>
           </a:p>
           <a:p>
             <a:pPr lvl="1"/>
             <a:r>
-              <a:rPr lang="fr-FR" dirty="0" smtClean="0"/>
+              <a:rPr lang="fr-FR" dirty="0"/>
               <a:t>Taille abaissé (4 bits -&gt; 1 bit)</a:t>
             </a:r>
-            <a:endParaRPr lang="fr-FR" dirty="0"/>
           </a:p>
         </p:txBody>
       </p:sp>
@@ -7186,10 +6826,9 @@
           <a:lstStyle/>
           <a:p>
             <a:r>
-              <a:rPr lang="fr-FR" dirty="0" smtClean="0"/>
+              <a:rPr lang="fr-FR" dirty="0"/>
               <a:t>Régression linéaire</a:t>
             </a:r>
-            <a:endParaRPr lang="fr-FR" dirty="0"/>
           </a:p>
         </p:txBody>
       </p:sp>
@@ -7209,29 +6848,29 @@
           <a:lstStyle/>
           <a:p>
             <a:r>
-              <a:rPr lang="fr-FR" dirty="0" smtClean="0"/>
+              <a:rPr lang="fr-FR" dirty="0"/>
               <a:t>Une fois la régression calculée nous connaissons le modèle et son erreur</a:t>
             </a:r>
           </a:p>
           <a:p>
             <a:pPr lvl="1"/>
             <a:r>
-              <a:rPr lang="fr-FR" dirty="0" smtClean="0"/>
+              <a:rPr lang="fr-FR" dirty="0"/>
               <a:t>y  = </a:t>
             </a:r>
             <a:r>
-              <a:rPr lang="fr-FR" dirty="0" err="1" smtClean="0"/>
+              <a:rPr lang="fr-FR" dirty="0" err="1"/>
               <a:t>ax</a:t>
             </a:r>
             <a:r>
-              <a:rPr lang="fr-FR" dirty="0" smtClean="0"/>
+              <a:rPr lang="fr-FR" dirty="0"/>
               <a:t> + b</a:t>
             </a:r>
           </a:p>
           <a:p>
             <a:pPr lvl="1"/>
             <a:r>
-              <a:rPr lang="fr-FR" dirty="0" smtClean="0"/>
+              <a:rPr lang="fr-FR" dirty="0"/>
               <a:t>EQM = </a:t>
             </a:r>
             <a:r>
@@ -7243,30 +6882,30 @@
               <a:t>(model)$</a:t>
             </a:r>
             <a:r>
-              <a:rPr lang="fr-FR" dirty="0" err="1" smtClean="0"/>
+              <a:rPr lang="fr-FR" dirty="0" err="1"/>
               <a:t>r.squared</a:t>
             </a:r>
-            <a:endParaRPr lang="fr-FR" dirty="0" smtClean="0"/>
-          </a:p>
-          <a:p>
-            <a:r>
-              <a:rPr lang="fr-FR" dirty="0" smtClean="0"/>
+            <a:endParaRPr lang="fr-FR" dirty="0"/>
+          </a:p>
+          <a:p>
+            <a:r>
+              <a:rPr lang="fr-FR" dirty="0"/>
               <a:t>Pour les nouvelles données, il est facile de prédire les résultats en appliquant le modèle</a:t>
             </a:r>
           </a:p>
           <a:p>
             <a:r>
-              <a:rPr lang="fr-FR" dirty="0" smtClean="0"/>
+              <a:rPr lang="fr-FR" dirty="0"/>
               <a:t>Il existe un moyen automatique pour faire cela</a:t>
             </a:r>
           </a:p>
           <a:p>
             <a:pPr lvl="1"/>
             <a:r>
-              <a:rPr lang="fr-FR" dirty="0" err="1" smtClean="0"/>
+              <a:rPr lang="fr-FR" dirty="0" err="1"/>
               <a:t>Predict</a:t>
             </a:r>
-            <a:endParaRPr lang="fr-FR" dirty="0" smtClean="0"/>
+            <a:endParaRPr lang="fr-FR" dirty="0"/>
           </a:p>
         </p:txBody>
       </p:sp>
@@ -7316,7 +6955,7 @@
           <a:lstStyle/>
           <a:p>
             <a:r>
-              <a:rPr lang="fr-FR" dirty="0" err="1" smtClean="0"/>
+              <a:rPr lang="fr-FR" dirty="0" err="1"/>
               <a:t>Predict</a:t>
             </a:r>
             <a:endParaRPr lang="fr-FR" dirty="0"/>
@@ -7339,37 +6978,36 @@
           <a:lstStyle/>
           <a:p>
             <a:r>
-              <a:rPr lang="fr-FR" dirty="0" err="1" smtClean="0"/>
+              <a:rPr lang="fr-FR" dirty="0" err="1"/>
               <a:t>Predict</a:t>
             </a:r>
             <a:r>
-              <a:rPr lang="fr-FR" dirty="0" smtClean="0"/>
+              <a:rPr lang="fr-FR" dirty="0"/>
               <a:t> prend un </a:t>
             </a:r>
             <a:r>
-              <a:rPr lang="fr-FR" dirty="0" err="1" smtClean="0"/>
+              <a:rPr lang="fr-FR" dirty="0" err="1"/>
               <a:t>DataFrame</a:t>
             </a:r>
             <a:r>
-              <a:rPr lang="fr-FR" dirty="0" smtClean="0"/>
-              <a:t> et renvoie les données prédites sans ce soucier du modèle</a:t>
+              <a:rPr lang="fr-FR" dirty="0"/>
+              <a:t> et renvoie les données prédites sans se soucier du modèle</a:t>
             </a:r>
           </a:p>
           <a:p>
             <a:pPr lvl="1"/>
             <a:r>
-              <a:rPr lang="fr-FR" dirty="0" smtClean="0"/>
+              <a:rPr lang="fr-FR" dirty="0"/>
               <a:t>Portable sur d'</a:t>
             </a:r>
             <a:r>
-              <a:rPr lang="fr-FR" dirty="0" err="1" smtClean="0"/>
+              <a:rPr lang="fr-FR" dirty="0" err="1"/>
               <a:t>autes</a:t>
             </a:r>
             <a:r>
-              <a:rPr lang="fr-FR" dirty="0" smtClean="0"/>
+              <a:rPr lang="fr-FR" dirty="0"/>
               <a:t> modèle</a:t>
             </a:r>
-            <a:endParaRPr lang="fr-FR" dirty="0"/>
           </a:p>
         </p:txBody>
       </p:sp>
@@ -7467,10 +7105,9 @@
           <a:lstStyle/>
           <a:p>
             <a:r>
-              <a:rPr lang="fr-FR" dirty="0" smtClean="0"/>
+              <a:rPr lang="fr-FR" dirty="0"/>
               <a:t>Prédiction avec corrélation 95%</a:t>
             </a:r>
-            <a:endParaRPr lang="fr-FR" dirty="0"/>
           </a:p>
         </p:txBody>
       </p:sp>
@@ -7490,7 +7127,7 @@
           <a:lstStyle/>
           <a:p>
             <a:r>
-              <a:rPr lang="fr-FR" dirty="0" smtClean="0"/>
+              <a:rPr lang="fr-FR" dirty="0"/>
               <a:t>Il est possible de déterminer la corrélation 95%</a:t>
             </a:r>
           </a:p>
@@ -7513,15 +7150,11 @@
             </a:r>
             <a:r>
               <a:rPr lang="en-US" dirty="0"/>
-              <a:t>="confidence</a:t>
-            </a:r>
-            <a:r>
-              <a:rPr lang="en-US" dirty="0" smtClean="0"/>
-              <a:t>")</a:t>
-            </a:r>
-          </a:p>
-          <a:p>
-            <a:endParaRPr lang="fr-FR" dirty="0" smtClean="0"/>
+              <a:t>="confidence")</a:t>
+            </a:r>
+          </a:p>
+          <a:p>
+            <a:endParaRPr lang="fr-FR" dirty="0"/>
           </a:p>
           <a:p>
             <a:endParaRPr lang="fr-FR" dirty="0"/>
@@ -7598,10 +7231,9 @@
           <a:lstStyle/>
           <a:p>
             <a:r>
-              <a:rPr lang="fr-FR" dirty="0" smtClean="0"/>
+              <a:rPr lang="fr-FR" dirty="0"/>
               <a:t>Types d’apprentissage</a:t>
             </a:r>
-            <a:endParaRPr lang="fr-FR" dirty="0"/>
           </a:p>
         </p:txBody>
       </p:sp>
@@ -7622,89 +7254,85 @@
           <a:p>
             <a:r>
               <a:rPr lang="fr-FR" dirty="0"/>
-              <a:t>Apprentissage </a:t>
-            </a:r>
-            <a:r>
-              <a:rPr lang="fr-FR" dirty="0" smtClean="0"/>
-              <a:t>supervisé</a:t>
+              <a:t>Apprentissage supervisé</a:t>
             </a:r>
           </a:p>
           <a:p>
             <a:pPr lvl="1"/>
             <a:r>
-              <a:rPr lang="fr-FR" dirty="0" smtClean="0"/>
+              <a:rPr lang="fr-FR" dirty="0"/>
               <a:t>Les données et les résultats sont connus</a:t>
             </a:r>
           </a:p>
           <a:p>
             <a:pPr lvl="1"/>
             <a:r>
-              <a:rPr lang="fr-FR" dirty="0" smtClean="0"/>
+              <a:rPr lang="fr-FR" dirty="0"/>
               <a:t>C’est un problème de classement : </a:t>
             </a:r>
             <a:r>
-              <a:rPr lang="fr-FR" dirty="0" err="1" smtClean="0"/>
+              <a:rPr lang="fr-FR" dirty="0" err="1"/>
               <a:t>knn</a:t>
             </a:r>
-            <a:endParaRPr lang="fr-FR" dirty="0" smtClean="0"/>
+            <a:endParaRPr lang="fr-FR" dirty="0"/>
           </a:p>
           <a:p>
             <a:pPr lvl="1"/>
             <a:r>
-              <a:rPr lang="fr-FR" dirty="0" smtClean="0"/>
+              <a:rPr lang="fr-FR" dirty="0"/>
               <a:t>Présence d’un expert</a:t>
             </a:r>
           </a:p>
           <a:p>
             <a:r>
-              <a:rPr lang="fr-FR" dirty="0" smtClean="0"/>
+              <a:rPr lang="fr-FR" dirty="0"/>
               <a:t>Apprentissage non supervisé</a:t>
             </a:r>
           </a:p>
           <a:p>
             <a:pPr lvl="1"/>
             <a:r>
-              <a:rPr lang="fr-FR" dirty="0" smtClean="0"/>
+              <a:rPr lang="fr-FR" dirty="0"/>
               <a:t>Aucun expert</a:t>
             </a:r>
           </a:p>
           <a:p>
             <a:pPr lvl="1"/>
             <a:r>
-              <a:rPr lang="fr-FR" dirty="0" smtClean="0"/>
+              <a:rPr lang="fr-FR" dirty="0"/>
               <a:t>Seul des exemples sont disponibles</a:t>
             </a:r>
           </a:p>
           <a:p>
             <a:pPr lvl="1"/>
             <a:r>
-              <a:rPr lang="fr-FR" dirty="0" smtClean="0"/>
+              <a:rPr lang="fr-FR" dirty="0"/>
               <a:t>Travail par similarité : statistiques, régressions</a:t>
             </a:r>
           </a:p>
           <a:p>
             <a:r>
-              <a:rPr lang="fr-FR" dirty="0" smtClean="0"/>
+              <a:rPr lang="fr-FR" dirty="0"/>
               <a:t>Semi supervisé</a:t>
             </a:r>
           </a:p>
           <a:p>
             <a:pPr lvl="1"/>
             <a:r>
-              <a:rPr lang="fr-FR" dirty="0" smtClean="0"/>
+              <a:rPr lang="fr-FR" dirty="0"/>
               <a:t>Entre les 2</a:t>
             </a:r>
           </a:p>
           <a:p>
             <a:pPr lvl="1"/>
             <a:r>
-              <a:rPr lang="fr-FR" dirty="0" smtClean="0"/>
+              <a:rPr lang="fr-FR" dirty="0"/>
               <a:t>Réseaux de neurones</a:t>
             </a:r>
           </a:p>
           <a:p>
             <a:pPr lvl="1"/>
-            <a:endParaRPr lang="fr-FR" dirty="0" smtClean="0"/>
+            <a:endParaRPr lang="fr-FR" dirty="0"/>
           </a:p>
         </p:txBody>
       </p:sp>
@@ -7754,11 +7382,11 @@
           <a:lstStyle/>
           <a:p>
             <a:r>
-              <a:rPr lang="fr-FR" dirty="0" smtClean="0"/>
+              <a:rPr lang="fr-FR" dirty="0"/>
               <a:t>Machine Learning </a:t>
             </a:r>
             <a:r>
-              <a:rPr lang="fr-FR" smtClean="0"/>
+              <a:rPr lang="fr-FR"/>
               <a:t>vs Programmation</a:t>
             </a:r>
             <a:endParaRPr lang="fr-FR" dirty="0"/>
@@ -7852,10 +7480,9 @@
           <a:lstStyle/>
           <a:p>
             <a:r>
-              <a:rPr lang="fr-FR" dirty="0" smtClean="0"/>
+              <a:rPr lang="fr-FR" dirty="0"/>
               <a:t>Apprentissage supervisé</a:t>
             </a:r>
-            <a:endParaRPr lang="fr-FR" dirty="0"/>
           </a:p>
         </p:txBody>
       </p:sp>
@@ -7875,17 +7502,16 @@
           <a:lstStyle/>
           <a:p>
             <a:r>
-              <a:rPr lang="fr-FR" dirty="0" smtClean="0"/>
+              <a:rPr lang="fr-FR" dirty="0"/>
               <a:t>Dans cet exemple les images ont été annotés par un expert avec leur catégorie</a:t>
             </a:r>
           </a:p>
           <a:p>
             <a:pPr lvl="1"/>
             <a:r>
-              <a:rPr lang="fr-FR" dirty="0" smtClean="0"/>
+              <a:rPr lang="fr-FR" dirty="0"/>
               <a:t>La machine apprend puis prédit</a:t>
             </a:r>
-            <a:endParaRPr lang="fr-FR" dirty="0"/>
           </a:p>
         </p:txBody>
       </p:sp>
@@ -7976,14 +7602,13 @@
           <a:lstStyle/>
           <a:p>
             <a:r>
-              <a:rPr lang="fr-FR" dirty="0" err="1" smtClean="0"/>
+              <a:rPr lang="fr-FR" dirty="0" err="1"/>
               <a:t>Deep</a:t>
             </a:r>
             <a:r>
-              <a:rPr lang="fr-FR" dirty="0" smtClean="0"/>
+              <a:rPr lang="fr-FR" dirty="0"/>
               <a:t> Learning</a:t>
             </a:r>
-            <a:endParaRPr lang="fr-FR" dirty="0"/>
           </a:p>
         </p:txBody>
       </p:sp>
@@ -8003,42 +7628,34 @@
           <a:lstStyle/>
           <a:p>
             <a:r>
-              <a:rPr lang="fr-FR" dirty="0" smtClean="0"/>
+              <a:rPr lang="fr-FR" dirty="0"/>
               <a:t>Le </a:t>
             </a:r>
             <a:r>
-              <a:rPr lang="fr-FR" dirty="0" err="1" smtClean="0"/>
+              <a:rPr lang="fr-FR" dirty="0" err="1"/>
               <a:t>deep</a:t>
             </a:r>
             <a:r>
-              <a:rPr lang="fr-FR" dirty="0" smtClean="0"/>
+              <a:rPr lang="fr-FR" dirty="0"/>
               <a:t> </a:t>
             </a:r>
             <a:r>
-              <a:rPr lang="fr-FR" dirty="0" err="1" smtClean="0"/>
+              <a:rPr lang="fr-FR" dirty="0" err="1"/>
               <a:t>learning</a:t>
             </a:r>
             <a:r>
-              <a:rPr lang="fr-FR" dirty="0" smtClean="0"/>
-              <a:t> </a:t>
-            </a:r>
-            <a:r>
-              <a:rPr lang="fr-FR" dirty="0"/>
-              <a:t>est un ensemble de méthodes d'apprentissage automatique tentant de modéliser avec un haut niveau d’abstraction des données grâce à des architectures articulées de différentes transformations </a:t>
+              <a:rPr lang="fr-FR" dirty="0"/>
+              <a:t> est un ensemble de méthodes d'apprentissage automatique tentant de modéliser avec un haut niveau d’abstraction des données grâce à des architectures articulées de différentes transformations </a:t>
             </a:r>
             <a:r>
               <a:rPr lang="fr-FR"/>
-              <a:t>non </a:t>
-            </a:r>
-            <a:r>
-              <a:rPr lang="fr-FR" smtClean="0"/>
-              <a:t>linéaires</a:t>
+              <a:t>non linéaires</a:t>
             </a:r>
           </a:p>
           <a:p>
             <a:pPr lvl="1"/>
             <a:r>
-              <a:rPr lang="fr-FR" smtClean="0"/>
+              <a:rPr lang="fr-FR"/>
               <a:t>Ces </a:t>
             </a:r>
             <a:r>
@@ -8094,10 +7711,9 @@
           <a:lstStyle/>
           <a:p>
             <a:r>
-              <a:rPr lang="fr-FR" dirty="0" smtClean="0"/>
+              <a:rPr lang="fr-FR" dirty="0"/>
               <a:t>Workflow</a:t>
             </a:r>
-            <a:endParaRPr lang="fr-FR" dirty="0"/>
           </a:p>
         </p:txBody>
       </p:sp>
@@ -8190,18 +7806,17 @@
           <a:lstStyle/>
           <a:p>
             <a:r>
-              <a:rPr lang="fr-FR" dirty="0" smtClean="0"/>
+              <a:rPr lang="fr-FR" dirty="0"/>
               <a:t>1</a:t>
             </a:r>
             <a:r>
-              <a:rPr lang="fr-FR" baseline="30000" dirty="0" smtClean="0"/>
+              <a:rPr lang="fr-FR" baseline="30000" dirty="0"/>
               <a:t>ère</a:t>
             </a:r>
             <a:r>
-              <a:rPr lang="fr-FR" dirty="0" smtClean="0"/>
+              <a:rPr lang="fr-FR" dirty="0"/>
               <a:t> étape</a:t>
             </a:r>
-            <a:endParaRPr lang="fr-FR" dirty="0"/>
           </a:p>
         </p:txBody>
       </p:sp>
@@ -8221,48 +7836,48 @@
           <a:lstStyle/>
           <a:p>
             <a:r>
-              <a:rPr lang="fr-FR" dirty="0" smtClean="0"/>
+              <a:rPr lang="fr-FR" dirty="0"/>
               <a:t>Trouver les données</a:t>
             </a:r>
           </a:p>
           <a:p>
             <a:pPr lvl="1"/>
             <a:r>
-              <a:rPr lang="fr-FR" dirty="0" smtClean="0"/>
+              <a:rPr lang="fr-FR" dirty="0"/>
               <a:t>Mise à disposition d’un data </a:t>
             </a:r>
             <a:r>
-              <a:rPr lang="fr-FR" dirty="0" err="1" smtClean="0"/>
+              <a:rPr lang="fr-FR" dirty="0" err="1"/>
               <a:t>lake</a:t>
             </a:r>
             <a:r>
-              <a:rPr lang="fr-FR" dirty="0" smtClean="0"/>
+              <a:rPr lang="fr-FR" dirty="0"/>
               <a:t> ou d’un data </a:t>
             </a:r>
             <a:r>
-              <a:rPr lang="fr-FR" dirty="0" err="1" smtClean="0"/>
+              <a:rPr lang="fr-FR" dirty="0" err="1"/>
               <a:t>mart</a:t>
             </a:r>
-            <a:endParaRPr lang="fr-FR" dirty="0" smtClean="0"/>
-          </a:p>
-          <a:p>
-            <a:r>
-              <a:rPr lang="fr-FR" dirty="0" smtClean="0"/>
+            <a:endParaRPr lang="fr-FR" dirty="0"/>
+          </a:p>
+          <a:p>
+            <a:r>
+              <a:rPr lang="fr-FR" dirty="0"/>
               <a:t>Le jeu de donnée utilisé en machine </a:t>
             </a:r>
             <a:r>
-              <a:rPr lang="fr-FR" dirty="0" err="1" smtClean="0"/>
+              <a:rPr lang="fr-FR" dirty="0" err="1"/>
               <a:t>learning</a:t>
             </a:r>
             <a:r>
-              <a:rPr lang="fr-FR" dirty="0" smtClean="0"/>
+              <a:rPr lang="fr-FR" dirty="0"/>
               <a:t> s’appel le </a:t>
             </a:r>
             <a:r>
-              <a:rPr lang="fr-FR" dirty="0" err="1" smtClean="0"/>
+              <a:rPr lang="fr-FR" dirty="0" err="1"/>
               <a:t>Dataset</a:t>
             </a:r>
-            <a:endParaRPr lang="fr-FR" dirty="0" smtClean="0"/>
+            <a:endParaRPr lang="fr-FR" dirty="0"/>
           </a:p>
         </p:txBody>
       </p:sp>
